--- a/presentation/blockchain_now.pptx
+++ b/presentation/blockchain_now.pptx
@@ -6,12 +6,13 @@
   </p:sldMasterIdLst>
   <p:sldIdLst>
     <p:sldId id="256" r:id="rId2"/>
-    <p:sldId id="258" r:id="rId3"/>
-    <p:sldId id="259" r:id="rId4"/>
-    <p:sldId id="260" r:id="rId5"/>
-    <p:sldId id="262" r:id="rId6"/>
+    <p:sldId id="262" r:id="rId3"/>
+    <p:sldId id="258" r:id="rId4"/>
+    <p:sldId id="259" r:id="rId5"/>
+    <p:sldId id="260" r:id="rId6"/>
     <p:sldId id="257" r:id="rId7"/>
-    <p:sldId id="261" r:id="rId8"/>
+    <p:sldId id="263" r:id="rId8"/>
+    <p:sldId id="261" r:id="rId9"/>
   </p:sldIdLst>
   <p:sldSz cx="12192000" cy="6858000"/>
   <p:notesSz cx="6858000" cy="9144000"/>
@@ -249,7 +250,7 @@
           <a:p>
             <a:fld id="{046725C7-44C1-2E4C-8344-32965D745DFE}" type="datetimeFigureOut">
               <a:rPr lang="en-US" smtClean="0"/>
-              <a:t>6/23/15</a:t>
+              <a:t>6/25/15</a:t>
             </a:fld>
             <a:endParaRPr lang="en-US"/>
           </a:p>
@@ -419,7 +420,7 @@
           <a:p>
             <a:fld id="{046725C7-44C1-2E4C-8344-32965D745DFE}" type="datetimeFigureOut">
               <a:rPr lang="en-US" smtClean="0"/>
-              <a:t>6/23/15</a:t>
+              <a:t>6/25/15</a:t>
             </a:fld>
             <a:endParaRPr lang="en-US"/>
           </a:p>
@@ -599,7 +600,7 @@
           <a:p>
             <a:fld id="{046725C7-44C1-2E4C-8344-32965D745DFE}" type="datetimeFigureOut">
               <a:rPr lang="en-US" smtClean="0"/>
-              <a:t>6/23/15</a:t>
+              <a:t>6/25/15</a:t>
             </a:fld>
             <a:endParaRPr lang="en-US"/>
           </a:p>
@@ -769,7 +770,7 @@
           <a:p>
             <a:fld id="{046725C7-44C1-2E4C-8344-32965D745DFE}" type="datetimeFigureOut">
               <a:rPr lang="en-US" smtClean="0"/>
-              <a:t>6/23/15</a:t>
+              <a:t>6/25/15</a:t>
             </a:fld>
             <a:endParaRPr lang="en-US"/>
           </a:p>
@@ -1015,7 +1016,7 @@
           <a:p>
             <a:fld id="{046725C7-44C1-2E4C-8344-32965D745DFE}" type="datetimeFigureOut">
               <a:rPr lang="en-US" smtClean="0"/>
-              <a:t>6/23/15</a:t>
+              <a:t>6/25/15</a:t>
             </a:fld>
             <a:endParaRPr lang="en-US"/>
           </a:p>
@@ -1247,7 +1248,7 @@
           <a:p>
             <a:fld id="{046725C7-44C1-2E4C-8344-32965D745DFE}" type="datetimeFigureOut">
               <a:rPr lang="en-US" smtClean="0"/>
-              <a:t>6/23/15</a:t>
+              <a:t>6/25/15</a:t>
             </a:fld>
             <a:endParaRPr lang="en-US"/>
           </a:p>
@@ -1614,7 +1615,7 @@
           <a:p>
             <a:fld id="{046725C7-44C1-2E4C-8344-32965D745DFE}" type="datetimeFigureOut">
               <a:rPr lang="en-US" smtClean="0"/>
-              <a:t>6/23/15</a:t>
+              <a:t>6/25/15</a:t>
             </a:fld>
             <a:endParaRPr lang="en-US"/>
           </a:p>
@@ -1732,7 +1733,7 @@
           <a:p>
             <a:fld id="{046725C7-44C1-2E4C-8344-32965D745DFE}" type="datetimeFigureOut">
               <a:rPr lang="en-US" smtClean="0"/>
-              <a:t>6/23/15</a:t>
+              <a:t>6/25/15</a:t>
             </a:fld>
             <a:endParaRPr lang="en-US"/>
           </a:p>
@@ -1827,7 +1828,7 @@
           <a:p>
             <a:fld id="{046725C7-44C1-2E4C-8344-32965D745DFE}" type="datetimeFigureOut">
               <a:rPr lang="en-US" smtClean="0"/>
-              <a:t>6/23/15</a:t>
+              <a:t>6/25/15</a:t>
             </a:fld>
             <a:endParaRPr lang="en-US"/>
           </a:p>
@@ -2104,7 +2105,7 @@
           <a:p>
             <a:fld id="{046725C7-44C1-2E4C-8344-32965D745DFE}" type="datetimeFigureOut">
               <a:rPr lang="en-US" smtClean="0"/>
-              <a:t>6/23/15</a:t>
+              <a:t>6/25/15</a:t>
             </a:fld>
             <a:endParaRPr lang="en-US"/>
           </a:p>
@@ -2357,7 +2358,7 @@
           <a:p>
             <a:fld id="{046725C7-44C1-2E4C-8344-32965D745DFE}" type="datetimeFigureOut">
               <a:rPr lang="en-US" smtClean="0"/>
-              <a:t>6/23/15</a:t>
+              <a:t>6/25/15</a:t>
             </a:fld>
             <a:endParaRPr lang="en-US"/>
           </a:p>
@@ -2570,7 +2571,7 @@
           <a:p>
             <a:fld id="{046725C7-44C1-2E4C-8344-32965D745DFE}" type="datetimeFigureOut">
               <a:rPr lang="en-US" smtClean="0"/>
-              <a:t>6/23/15</a:t>
+              <a:t>6/25/15</a:t>
             </a:fld>
             <a:endParaRPr lang="en-US"/>
           </a:p>
@@ -3111,6 +3112,98 @@
           <a:lstStyle/>
           <a:p>
             <a:r>
+              <a:rPr lang="en-US" dirty="0" smtClean="0"/>
+              <a:t>Very special database</a:t>
+            </a:r>
+            <a:endParaRPr lang="en-US" dirty="0"/>
+          </a:p>
+        </p:txBody>
+      </p:sp>
+      <p:pic>
+        <p:nvPicPr>
+          <p:cNvPr id="4" name="Content Placeholder 3"/>
+          <p:cNvPicPr>
+            <a:picLocks noGrp="1" noChangeAspect="1"/>
+          </p:cNvPicPr>
+          <p:nvPr>
+            <p:ph idx="1"/>
+          </p:nvPr>
+        </p:nvPicPr>
+        <p:blipFill>
+          <a:blip r:embed="rId2">
+            <a:extLst>
+              <a:ext uri="{28A0092B-C50C-407E-A947-70E740481C1C}">
+                <a14:useLocalDpi xmlns:a14="http://schemas.microsoft.com/office/drawing/2010/main" val="0"/>
+              </a:ext>
+            </a:extLst>
+          </a:blip>
+          <a:stretch>
+            <a:fillRect/>
+          </a:stretch>
+        </p:blipFill>
+        <p:spPr>
+          <a:xfrm>
+            <a:off x="838200" y="2029619"/>
+            <a:ext cx="10515600" cy="3943350"/>
+          </a:xfrm>
+          <a:prstGeom prst="rect">
+            <a:avLst/>
+          </a:prstGeom>
+        </p:spPr>
+      </p:pic>
+    </p:spTree>
+    <p:extLst>
+      <p:ext uri="{BB962C8B-B14F-4D97-AF65-F5344CB8AC3E}">
+        <p14:creationId xmlns:p14="http://schemas.microsoft.com/office/powerpoint/2010/main" val="1529195746"/>
+      </p:ext>
+    </p:extLst>
+  </p:cSld>
+  <p:clrMapOvr>
+    <a:masterClrMapping/>
+  </p:clrMapOvr>
+  <p:timing>
+    <p:tnLst>
+      <p:par>
+        <p:cTn id="1" dur="indefinite" restart="never" nodeType="tmRoot"/>
+      </p:par>
+    </p:tnLst>
+  </p:timing>
+</p:sld>
+</file>
+
+<file path=ppt/slides/slide3.xml><?xml version="1.0" encoding="utf-8"?>
+<p:sld xmlns:a="http://schemas.openxmlformats.org/drawingml/2006/main" xmlns:r="http://schemas.openxmlformats.org/officeDocument/2006/relationships" xmlns:p="http://schemas.openxmlformats.org/presentationml/2006/main">
+  <p:cSld>
+    <p:spTree>
+      <p:nvGrpSpPr>
+        <p:cNvPr id="1" name=""/>
+        <p:cNvGrpSpPr/>
+        <p:nvPr/>
+      </p:nvGrpSpPr>
+      <p:grpSpPr>
+        <a:xfrm>
+          <a:off x="0" y="0"/>
+          <a:ext cx="0" cy="0"/>
+          <a:chOff x="0" y="0"/>
+          <a:chExt cx="0" cy="0"/>
+        </a:xfrm>
+      </p:grpSpPr>
+      <p:sp>
+        <p:nvSpPr>
+          <p:cNvPr id="2" name="Title 1"/>
+          <p:cNvSpPr>
+            <a:spLocks noGrp="1"/>
+          </p:cNvSpPr>
+          <p:nvPr>
+            <p:ph type="title"/>
+          </p:nvPr>
+        </p:nvSpPr>
+        <p:spPr/>
+        <p:txBody>
+          <a:bodyPr/>
+          <a:lstStyle/>
+          <a:p>
+            <a:r>
               <a:rPr lang="en-US" dirty="0" err="1" smtClean="0"/>
               <a:t>Blockchain</a:t>
             </a:r>
@@ -3171,7 +3264,7 @@
 </p:sld>
 </file>
 
-<file path=ppt/slides/slide3.xml><?xml version="1.0" encoding="utf-8"?>
+<file path=ppt/slides/slide4.xml><?xml version="1.0" encoding="utf-8"?>
 <p:sld xmlns:a="http://schemas.openxmlformats.org/drawingml/2006/main" xmlns:r="http://schemas.openxmlformats.org/officeDocument/2006/relationships" xmlns:p="http://schemas.openxmlformats.org/presentationml/2006/main">
   <p:cSld>
     <p:spTree>
@@ -3714,7 +3807,7 @@
 </p:sld>
 </file>
 
-<file path=ppt/slides/slide4.xml><?xml version="1.0" encoding="utf-8"?>
+<file path=ppt/slides/slide5.xml><?xml version="1.0" encoding="utf-8"?>
 <p:sld xmlns:a="http://schemas.openxmlformats.org/drawingml/2006/main" xmlns:r="http://schemas.openxmlformats.org/officeDocument/2006/relationships" xmlns:p="http://schemas.openxmlformats.org/presentationml/2006/main">
   <p:cSld>
     <p:spTree>
@@ -4371,95 +4464,6 @@
 </p:sld>
 </file>
 
-<file path=ppt/slides/slide5.xml><?xml version="1.0" encoding="utf-8"?>
-<p:sld xmlns:a="http://schemas.openxmlformats.org/drawingml/2006/main" xmlns:r="http://schemas.openxmlformats.org/officeDocument/2006/relationships" xmlns:p="http://schemas.openxmlformats.org/presentationml/2006/main">
-  <p:cSld>
-    <p:spTree>
-      <p:nvGrpSpPr>
-        <p:cNvPr id="1" name=""/>
-        <p:cNvGrpSpPr/>
-        <p:nvPr/>
-      </p:nvGrpSpPr>
-      <p:grpSpPr>
-        <a:xfrm>
-          <a:off x="0" y="0"/>
-          <a:ext cx="0" cy="0"/>
-          <a:chOff x="0" y="0"/>
-          <a:chExt cx="0" cy="0"/>
-        </a:xfrm>
-      </p:grpSpPr>
-      <p:sp>
-        <p:nvSpPr>
-          <p:cNvPr id="2" name="Title 1"/>
-          <p:cNvSpPr>
-            <a:spLocks noGrp="1"/>
-          </p:cNvSpPr>
-          <p:nvPr>
-            <p:ph type="title"/>
-          </p:nvPr>
-        </p:nvSpPr>
-        <p:spPr/>
-        <p:txBody>
-          <a:bodyPr/>
-          <a:lstStyle/>
-          <a:p>
-            <a:r>
-              <a:rPr lang="en-US" dirty="0" smtClean="0"/>
-              <a:t>Data Example / JSON</a:t>
-            </a:r>
-            <a:endParaRPr lang="en-US" dirty="0"/>
-          </a:p>
-        </p:txBody>
-      </p:sp>
-      <p:pic>
-        <p:nvPicPr>
-          <p:cNvPr id="8" name="Content Placeholder 7"/>
-          <p:cNvPicPr>
-            <a:picLocks noGrp="1" noChangeAspect="1"/>
-          </p:cNvPicPr>
-          <p:nvPr>
-            <p:ph idx="1"/>
-          </p:nvPr>
-        </p:nvPicPr>
-        <p:blipFill>
-          <a:blip r:embed="rId2">
-            <a:extLst>
-              <a:ext uri="{28A0092B-C50C-407E-A947-70E740481C1C}">
-                <a14:useLocalDpi xmlns:a14="http://schemas.microsoft.com/office/drawing/2010/main" val="0"/>
-              </a:ext>
-            </a:extLst>
-          </a:blip>
-          <a:stretch>
-            <a:fillRect/>
-          </a:stretch>
-        </p:blipFill>
-        <p:spPr>
-          <a:xfrm>
-            <a:off x="838200" y="1438964"/>
-            <a:ext cx="7973622" cy="5129475"/>
-          </a:xfrm>
-        </p:spPr>
-      </p:pic>
-    </p:spTree>
-    <p:extLst>
-      <p:ext uri="{BB962C8B-B14F-4D97-AF65-F5344CB8AC3E}">
-        <p14:creationId xmlns:p14="http://schemas.microsoft.com/office/powerpoint/2010/main" val="246247255"/>
-      </p:ext>
-    </p:extLst>
-  </p:cSld>
-  <p:clrMapOvr>
-    <a:masterClrMapping/>
-  </p:clrMapOvr>
-  <p:timing>
-    <p:tnLst>
-      <p:par>
-        <p:cTn id="1" dur="indefinite" restart="never" nodeType="tmRoot"/>
-      </p:par>
-    </p:tnLst>
-  </p:timing>
-</p:sld>
-</file>
-
 <file path=ppt/slides/slide6.xml><?xml version="1.0" encoding="utf-8"?>
 <p:sld xmlns:a="http://schemas.openxmlformats.org/drawingml/2006/main" xmlns:r="http://schemas.openxmlformats.org/officeDocument/2006/relationships" xmlns:p="http://schemas.openxmlformats.org/presentationml/2006/main">
   <p:cSld>
@@ -4513,10 +4517,10 @@
         </p:nvGrpSpPr>
         <p:grpSpPr>
           <a:xfrm>
-            <a:off x="1108272" y="1666166"/>
-            <a:ext cx="9975455" cy="4784135"/>
-            <a:chOff x="273933" y="1830829"/>
-            <a:chExt cx="9975455" cy="4784135"/>
+            <a:off x="1672539" y="1666166"/>
+            <a:ext cx="9411188" cy="4781084"/>
+            <a:chOff x="838200" y="1830829"/>
+            <a:chExt cx="9411188" cy="4781084"/>
           </a:xfrm>
         </p:grpSpPr>
         <p:sp>
@@ -4866,46 +4870,6 @@
             </a:p>
           </p:txBody>
         </p:sp>
-        <p:sp>
-          <p:nvSpPr>
-            <p:cNvPr id="34" name="Down Arrow 33"/>
-            <p:cNvSpPr/>
-            <p:nvPr/>
-          </p:nvSpPr>
-          <p:spPr>
-            <a:xfrm flipH="1">
-              <a:off x="1469233" y="4324635"/>
-              <a:ext cx="361632" cy="528656"/>
-            </a:xfrm>
-            <a:prstGeom prst="downArrow">
-              <a:avLst/>
-            </a:prstGeom>
-          </p:spPr>
-          <p:style>
-            <a:lnRef idx="2">
-              <a:schemeClr val="accent1">
-                <a:shade val="50000"/>
-              </a:schemeClr>
-            </a:lnRef>
-            <a:fillRef idx="1">
-              <a:schemeClr val="accent1"/>
-            </a:fillRef>
-            <a:effectRef idx="0">
-              <a:schemeClr val="accent1"/>
-            </a:effectRef>
-            <a:fontRef idx="minor">
-              <a:schemeClr val="lt1"/>
-            </a:fontRef>
-          </p:style>
-          <p:txBody>
-            <a:bodyPr rtlCol="0" anchor="ctr"/>
-            <a:lstStyle/>
-            <a:p>
-              <a:pPr algn="ctr"/>
-              <a:endParaRPr lang="en-US"/>
-            </a:p>
-          </p:txBody>
-        </p:sp>
         <p:grpSp>
           <p:nvGrpSpPr>
             <p:cNvPr id="38" name="Group 37"/>
@@ -4914,10 +4878,10 @@
           </p:nvGrpSpPr>
           <p:grpSpPr>
             <a:xfrm>
-              <a:off x="273933" y="4864309"/>
-              <a:ext cx="2664846" cy="1750655"/>
-              <a:chOff x="273933" y="4864309"/>
-              <a:chExt cx="2664846" cy="1750655"/>
+              <a:off x="6782125" y="4973730"/>
+              <a:ext cx="2303779" cy="1638183"/>
+              <a:chOff x="6782125" y="4973730"/>
+              <a:chExt cx="2303779" cy="1638183"/>
             </a:xfrm>
           </p:grpSpPr>
           <p:sp>
@@ -4928,8 +4892,8 @@
             </p:nvSpPr>
             <p:spPr>
               <a:xfrm>
-                <a:off x="840032" y="4864309"/>
-                <a:ext cx="1623699" cy="1750655"/>
+                <a:off x="7210426" y="4973730"/>
+                <a:ext cx="1447175" cy="1638183"/>
               </a:xfrm>
               <a:prstGeom prst="rect">
                 <a:avLst/>
@@ -4990,8 +4954,8 @@
             </p:blipFill>
             <p:spPr>
               <a:xfrm>
-                <a:off x="273933" y="5403982"/>
-                <a:ext cx="2664846" cy="1087492"/>
+                <a:off x="6782125" y="5384884"/>
+                <a:ext cx="2303779" cy="940145"/>
               </a:xfrm>
               <a:prstGeom prst="rect">
                 <a:avLst/>
@@ -5007,8 +4971,8 @@
           </p:nvSpPr>
           <p:spPr>
             <a:xfrm>
-              <a:off x="8027841" y="4853291"/>
-              <a:ext cx="1394925" cy="1638183"/>
+              <a:off x="8854463" y="4923718"/>
+              <a:ext cx="1394925" cy="1688195"/>
             </a:xfrm>
             <a:prstGeom prst="rect">
               <a:avLst/>
@@ -5035,15 +4999,8 @@
             </a:fontRef>
           </p:style>
           <p:txBody>
-            <a:bodyPr rtlCol="0" anchor="ctr"/>
+            <a:bodyPr rtlCol="0" anchor="t" anchorCtr="0"/>
             <a:lstStyle/>
-            <a:p>
-              <a:pPr algn="ctr"/>
-              <a:r>
-                <a:rPr lang="en-US" dirty="0" smtClean="0"/>
-                <a:t>Meteor</a:t>
-              </a:r>
-            </a:p>
             <a:p>
               <a:pPr algn="ctr"/>
               <a:r>
@@ -5054,73 +5011,7 @@
             </a:p>
           </p:txBody>
         </p:sp>
-        <p:cxnSp>
-          <p:nvCxnSpPr>
-            <p:cNvPr id="45" name="Straight Arrow Connector 44"/>
-            <p:cNvCxnSpPr>
-              <a:stCxn id="12" idx="2"/>
-              <a:endCxn id="40" idx="0"/>
-            </p:cNvCxnSpPr>
-            <p:nvPr/>
-          </p:nvCxnSpPr>
-          <p:spPr>
-            <a:xfrm flipH="1">
-              <a:off x="8725304" y="4335653"/>
-              <a:ext cx="2465" cy="517638"/>
-            </a:xfrm>
-            <a:prstGeom prst="straightConnector1">
-              <a:avLst/>
-            </a:prstGeom>
-            <a:ln>
-              <a:tailEnd type="triangle"/>
-            </a:ln>
-          </p:spPr>
-          <p:style>
-            <a:lnRef idx="1">
-              <a:schemeClr val="accent1"/>
-            </a:lnRef>
-            <a:fillRef idx="0">
-              <a:schemeClr val="accent1"/>
-            </a:fillRef>
-            <a:effectRef idx="0">
-              <a:schemeClr val="accent1"/>
-            </a:effectRef>
-            <a:fontRef idx="minor">
-              <a:schemeClr val="tx1"/>
-            </a:fontRef>
-          </p:style>
-        </p:cxnSp>
       </p:grpSp>
-      <p:pic>
-        <p:nvPicPr>
-          <p:cNvPr id="47" name="Picture 46"/>
-          <p:cNvPicPr>
-            <a:picLocks noChangeAspect="1"/>
-          </p:cNvPicPr>
-          <p:nvPr/>
-        </p:nvPicPr>
-        <p:blipFill>
-          <a:blip r:embed="rId8">
-            <a:extLst>
-              <a:ext uri="{28A0092B-C50C-407E-A947-70E740481C1C}">
-                <a14:useLocalDpi xmlns:a14="http://schemas.microsoft.com/office/drawing/2010/main" val="0"/>
-              </a:ext>
-            </a:extLst>
-          </a:blip>
-          <a:stretch>
-            <a:fillRect/>
-          </a:stretch>
-        </p:blipFill>
-        <p:spPr>
-          <a:xfrm>
-            <a:off x="4991633" y="5859456"/>
-            <a:ext cx="1828800" cy="621792"/>
-          </a:xfrm>
-          <a:prstGeom prst="rect">
-            <a:avLst/>
-          </a:prstGeom>
-        </p:spPr>
-      </p:pic>
       <p:grpSp>
         <p:nvGrpSpPr>
           <p:cNvPr id="7" name="Group 6"/>
@@ -5144,7 +5035,7 @@
             <p:nvPr/>
           </p:nvPicPr>
           <p:blipFill>
-            <a:blip r:embed="rId9">
+            <a:blip r:embed="rId8">
               <a:extLst>
                 <a:ext uri="{28A0092B-C50C-407E-A947-70E740481C1C}">
                   <a14:useLocalDpi xmlns:a14="http://schemas.microsoft.com/office/drawing/2010/main" val="0"/>
@@ -5249,7 +5140,7 @@
           <p:nvPr/>
         </p:nvPicPr>
         <p:blipFill>
-          <a:blip r:embed="rId10">
+          <a:blip r:embed="rId9">
             <a:extLst>
               <a:ext uri="{28A0092B-C50C-407E-A947-70E740481C1C}">
                 <a14:useLocalDpi xmlns:a14="http://schemas.microsoft.com/office/drawing/2010/main" val="0"/>
@@ -5264,6 +5155,116 @@
           <a:xfrm>
             <a:off x="1886772" y="2421742"/>
             <a:ext cx="1107845" cy="1107845"/>
+          </a:xfrm>
+          <a:prstGeom prst="rect">
+            <a:avLst/>
+          </a:prstGeom>
+        </p:spPr>
+      </p:pic>
+      <p:sp>
+        <p:nvSpPr>
+          <p:cNvPr id="10" name="Up-Down Arrow 9"/>
+          <p:cNvSpPr/>
+          <p:nvPr/>
+        </p:nvSpPr>
+        <p:spPr>
+          <a:xfrm flipH="1">
+            <a:off x="8631328" y="4170990"/>
+            <a:ext cx="274048" cy="638077"/>
+          </a:xfrm>
+          <a:prstGeom prst="upDownArrow">
+            <a:avLst/>
+          </a:prstGeom>
+        </p:spPr>
+        <p:style>
+          <a:lnRef idx="2">
+            <a:schemeClr val="accent1">
+              <a:shade val="50000"/>
+            </a:schemeClr>
+          </a:lnRef>
+          <a:fillRef idx="1">
+            <a:schemeClr val="accent1"/>
+          </a:fillRef>
+          <a:effectRef idx="0">
+            <a:schemeClr val="accent1"/>
+          </a:effectRef>
+          <a:fontRef idx="minor">
+            <a:schemeClr val="lt1"/>
+          </a:fontRef>
+        </p:style>
+        <p:txBody>
+          <a:bodyPr rtlCol="0" anchor="ctr"/>
+          <a:lstStyle/>
+          <a:p>
+            <a:pPr algn="ctr"/>
+            <a:endParaRPr lang="en-US"/>
+          </a:p>
+        </p:txBody>
+      </p:sp>
+      <p:sp>
+        <p:nvSpPr>
+          <p:cNvPr id="14" name="Down Arrow 13"/>
+          <p:cNvSpPr/>
+          <p:nvPr/>
+        </p:nvSpPr>
+        <p:spPr>
+          <a:xfrm>
+            <a:off x="10219363" y="4170990"/>
+            <a:ext cx="333802" cy="588065"/>
+          </a:xfrm>
+          <a:prstGeom prst="downArrow">
+            <a:avLst/>
+          </a:prstGeom>
+        </p:spPr>
+        <p:style>
+          <a:lnRef idx="2">
+            <a:schemeClr val="accent1">
+              <a:shade val="50000"/>
+            </a:schemeClr>
+          </a:lnRef>
+          <a:fillRef idx="1">
+            <a:schemeClr val="accent1"/>
+          </a:fillRef>
+          <a:effectRef idx="0">
+            <a:schemeClr val="accent1"/>
+          </a:effectRef>
+          <a:fontRef idx="minor">
+            <a:schemeClr val="lt1"/>
+          </a:fontRef>
+        </p:style>
+        <p:txBody>
+          <a:bodyPr rtlCol="0" anchor="ctr"/>
+          <a:lstStyle/>
+          <a:p>
+            <a:pPr algn="ctr"/>
+            <a:endParaRPr lang="en-US"/>
+          </a:p>
+        </p:txBody>
+      </p:sp>
+      <p:pic>
+        <p:nvPicPr>
+          <p:cNvPr id="17" name="Picture 16"/>
+          <p:cNvPicPr>
+            <a:picLocks noChangeAspect="1"/>
+          </p:cNvPicPr>
+          <p:nvPr/>
+        </p:nvPicPr>
+        <p:blipFill>
+          <a:blip r:embed="rId10">
+            <a:extLst>
+              <a:ext uri="{28A0092B-C50C-407E-A947-70E740481C1C}">
+                <a14:useLocalDpi xmlns:a14="http://schemas.microsoft.com/office/drawing/2010/main" val="0"/>
+              </a:ext>
+            </a:extLst>
+          </a:blip>
+          <a:stretch>
+            <a:fillRect/>
+          </a:stretch>
+        </p:blipFill>
+        <p:spPr>
+          <a:xfrm>
+            <a:off x="9755121" y="5059150"/>
+            <a:ext cx="1262285" cy="1262285"/>
           </a:xfrm>
           <a:prstGeom prst="rect">
             <a:avLst/>
@@ -5317,6 +5318,1109 @@
             <p:ph type="title"/>
           </p:nvPr>
         </p:nvSpPr>
+        <p:spPr>
+          <a:xfrm>
+            <a:off x="838200" y="340603"/>
+            <a:ext cx="10515600" cy="1325563"/>
+          </a:xfrm>
+        </p:spPr>
+        <p:txBody>
+          <a:bodyPr/>
+          <a:lstStyle/>
+          <a:p>
+            <a:r>
+              <a:rPr lang="en-US" dirty="0" smtClean="0"/>
+              <a:t>Pipeline Overview</a:t>
+            </a:r>
+            <a:endParaRPr lang="en-US" dirty="0"/>
+          </a:p>
+        </p:txBody>
+      </p:sp>
+      <p:grpSp>
+        <p:nvGrpSpPr>
+          <p:cNvPr id="46" name="Group 45"/>
+          <p:cNvGrpSpPr/>
+          <p:nvPr/>
+        </p:nvGrpSpPr>
+        <p:grpSpPr>
+          <a:xfrm>
+            <a:off x="1672539" y="1666166"/>
+            <a:ext cx="9411188" cy="4781084"/>
+            <a:chOff x="838200" y="1830829"/>
+            <a:chExt cx="9411188" cy="4781084"/>
+          </a:xfrm>
+        </p:grpSpPr>
+        <p:sp>
+          <p:nvSpPr>
+            <p:cNvPr id="6" name="Rectangle 5"/>
+            <p:cNvSpPr/>
+            <p:nvPr/>
+          </p:nvSpPr>
+          <p:spPr>
+            <a:xfrm>
+              <a:off x="838200" y="1852864"/>
+              <a:ext cx="1623699" cy="2460754"/>
+            </a:xfrm>
+            <a:prstGeom prst="rect">
+              <a:avLst/>
+            </a:prstGeom>
+            <a:blipFill>
+              <a:blip r:embed="rId2"/>
+              <a:tile tx="0" ty="0" sx="100000" sy="100000" flip="none" algn="tl"/>
+            </a:blipFill>
+          </p:spPr>
+          <p:style>
+            <a:lnRef idx="2">
+              <a:schemeClr val="accent1">
+                <a:shade val="50000"/>
+              </a:schemeClr>
+            </a:lnRef>
+            <a:fillRef idx="1">
+              <a:schemeClr val="accent1"/>
+            </a:fillRef>
+            <a:effectRef idx="0">
+              <a:schemeClr val="accent1"/>
+            </a:effectRef>
+            <a:fontRef idx="minor">
+              <a:schemeClr val="lt1"/>
+            </a:fontRef>
+          </p:style>
+          <p:txBody>
+            <a:bodyPr vert="horz" rtlCol="0" anchor="t" anchorCtr="0"/>
+            <a:lstStyle/>
+            <a:p>
+              <a:pPr algn="ctr"/>
+              <a:r>
+                <a:rPr lang="en-US" dirty="0" smtClean="0"/>
+                <a:t>P2P Network</a:t>
+              </a:r>
+              <a:endParaRPr lang="en-US" dirty="0"/>
+            </a:p>
+          </p:txBody>
+        </p:sp>
+        <p:grpSp>
+          <p:nvGrpSpPr>
+            <p:cNvPr id="28" name="Group 27"/>
+            <p:cNvGrpSpPr/>
+            <p:nvPr/>
+          </p:nvGrpSpPr>
+          <p:grpSpPr>
+            <a:xfrm>
+              <a:off x="3312406" y="1830829"/>
+              <a:ext cx="3048393" cy="2504824"/>
+              <a:chOff x="3109912" y="1852864"/>
+              <a:chExt cx="3048393" cy="2504824"/>
+            </a:xfrm>
+            <a:blipFill>
+              <a:blip r:embed="rId2"/>
+              <a:tile tx="0" ty="0" sx="100000" sy="100000" flip="none" algn="tl"/>
+            </a:blipFill>
+          </p:grpSpPr>
+          <p:sp>
+            <p:nvSpPr>
+              <p:cNvPr id="11" name="Rectangle 10"/>
+              <p:cNvSpPr/>
+              <p:nvPr/>
+            </p:nvSpPr>
+            <p:spPr>
+              <a:xfrm>
+                <a:off x="3109912" y="1852864"/>
+                <a:ext cx="3043238" cy="2504824"/>
+              </a:xfrm>
+              <a:prstGeom prst="rect">
+                <a:avLst/>
+              </a:prstGeom>
+              <a:grpFill/>
+            </p:spPr>
+            <p:style>
+              <a:lnRef idx="2">
+                <a:schemeClr val="accent1">
+                  <a:shade val="50000"/>
+                </a:schemeClr>
+              </a:lnRef>
+              <a:fillRef idx="1">
+                <a:schemeClr val="accent1"/>
+              </a:fillRef>
+              <a:effectRef idx="0">
+                <a:schemeClr val="accent1"/>
+              </a:effectRef>
+              <a:fontRef idx="minor">
+                <a:schemeClr val="lt1"/>
+              </a:fontRef>
+            </p:style>
+            <p:txBody>
+              <a:bodyPr vert="horz" rtlCol="0" anchor="t" anchorCtr="0"/>
+              <a:lstStyle/>
+              <a:p>
+                <a:pPr algn="ctr"/>
+                <a:r>
+                  <a:rPr lang="en-US" dirty="0" smtClean="0"/>
+                  <a:t>Data Ingestion</a:t>
+                </a:r>
+                <a:endParaRPr lang="en-US" dirty="0"/>
+              </a:p>
+            </p:txBody>
+          </p:sp>
+          <p:pic>
+            <p:nvPicPr>
+              <p:cNvPr id="15" name="Picture 14"/>
+              <p:cNvPicPr>
+                <a:picLocks noChangeAspect="1"/>
+              </p:cNvPicPr>
+              <p:nvPr/>
+            </p:nvPicPr>
+            <p:blipFill>
+              <a:blip r:embed="rId3">
+                <a:extLst>
+                  <a:ext uri="{28A0092B-C50C-407E-A947-70E740481C1C}">
+                    <a14:useLocalDpi xmlns:a14="http://schemas.microsoft.com/office/drawing/2010/main" val="0"/>
+                  </a:ext>
+                </a:extLst>
+              </a:blip>
+              <a:stretch>
+                <a:fillRect/>
+              </a:stretch>
+            </p:blipFill>
+            <p:spPr>
+              <a:xfrm>
+                <a:off x="3210160" y="2258055"/>
+                <a:ext cx="2088649" cy="1097880"/>
+              </a:xfrm>
+              <a:prstGeom prst="rect">
+                <a:avLst/>
+              </a:prstGeom>
+              <a:grpFill/>
+            </p:spPr>
+          </p:pic>
+          <p:pic>
+            <p:nvPicPr>
+              <p:cNvPr id="16" name="Picture 15"/>
+              <p:cNvPicPr>
+                <a:picLocks noChangeAspect="1"/>
+              </p:cNvPicPr>
+              <p:nvPr/>
+            </p:nvPicPr>
+            <p:blipFill>
+              <a:blip r:embed="rId4">
+                <a:extLst>
+                  <a:ext uri="{28A0092B-C50C-407E-A947-70E740481C1C}">
+                    <a14:useLocalDpi xmlns:a14="http://schemas.microsoft.com/office/drawing/2010/main" val="0"/>
+                  </a:ext>
+                </a:extLst>
+              </a:blip>
+              <a:stretch>
+                <a:fillRect/>
+              </a:stretch>
+            </p:blipFill>
+            <p:spPr>
+              <a:xfrm>
+                <a:off x="3580096" y="3355934"/>
+                <a:ext cx="2578209" cy="979719"/>
+              </a:xfrm>
+              <a:prstGeom prst="rect">
+                <a:avLst/>
+              </a:prstGeom>
+              <a:grpFill/>
+            </p:spPr>
+          </p:pic>
+        </p:grpSp>
+        <p:grpSp>
+          <p:nvGrpSpPr>
+            <p:cNvPr id="27" name="Group 26"/>
+            <p:cNvGrpSpPr/>
+            <p:nvPr/>
+          </p:nvGrpSpPr>
+          <p:grpSpPr>
+            <a:xfrm>
+              <a:off x="7206150" y="1830829"/>
+              <a:ext cx="3043238" cy="2504824"/>
+              <a:chOff x="6801163" y="1852864"/>
+              <a:chExt cx="3043238" cy="2504824"/>
+            </a:xfrm>
+          </p:grpSpPr>
+          <p:sp>
+            <p:nvSpPr>
+              <p:cNvPr id="12" name="Rectangle 11"/>
+              <p:cNvSpPr/>
+              <p:nvPr/>
+            </p:nvSpPr>
+            <p:spPr>
+              <a:xfrm>
+                <a:off x="6801163" y="1852864"/>
+                <a:ext cx="3043238" cy="2504824"/>
+              </a:xfrm>
+              <a:prstGeom prst="rect">
+                <a:avLst/>
+              </a:prstGeom>
+              <a:blipFill>
+                <a:blip r:embed="rId2"/>
+                <a:tile tx="0" ty="0" sx="100000" sy="100000" flip="none" algn="tl"/>
+              </a:blipFill>
+            </p:spPr>
+            <p:style>
+              <a:lnRef idx="2">
+                <a:schemeClr val="accent1">
+                  <a:shade val="50000"/>
+                </a:schemeClr>
+              </a:lnRef>
+              <a:fillRef idx="1">
+                <a:schemeClr val="accent1"/>
+              </a:fillRef>
+              <a:effectRef idx="0">
+                <a:schemeClr val="accent1"/>
+              </a:effectRef>
+              <a:fontRef idx="minor">
+                <a:schemeClr val="lt1"/>
+              </a:fontRef>
+            </p:style>
+            <p:txBody>
+              <a:bodyPr vert="horz" rtlCol="0" anchor="t" anchorCtr="0"/>
+              <a:lstStyle/>
+              <a:p>
+                <a:pPr algn="ctr"/>
+                <a:r>
+                  <a:rPr lang="en-US" dirty="0" smtClean="0"/>
+                  <a:t>Search</a:t>
+                </a:r>
+                <a:endParaRPr lang="en-US" dirty="0"/>
+              </a:p>
+            </p:txBody>
+          </p:sp>
+          <p:pic>
+            <p:nvPicPr>
+              <p:cNvPr id="18" name="Picture 17"/>
+              <p:cNvPicPr>
+                <a:picLocks noChangeAspect="1"/>
+              </p:cNvPicPr>
+              <p:nvPr/>
+            </p:nvPicPr>
+            <p:blipFill>
+              <a:blip r:embed="rId5">
+                <a:extLst>
+                  <a:ext uri="{28A0092B-C50C-407E-A947-70E740481C1C}">
+                    <a14:useLocalDpi xmlns:a14="http://schemas.microsoft.com/office/drawing/2010/main" val="0"/>
+                  </a:ext>
+                </a:extLst>
+              </a:blip>
+              <a:stretch>
+                <a:fillRect/>
+              </a:stretch>
+            </p:blipFill>
+            <p:spPr>
+              <a:xfrm>
+                <a:off x="6964994" y="2724696"/>
+                <a:ext cx="2710647" cy="831265"/>
+              </a:xfrm>
+              <a:prstGeom prst="rect">
+                <a:avLst/>
+              </a:prstGeom>
+            </p:spPr>
+          </p:pic>
+        </p:grpSp>
+        <p:sp>
+          <p:nvSpPr>
+            <p:cNvPr id="24" name="Right Arrow 23"/>
+            <p:cNvSpPr/>
+            <p:nvPr/>
+          </p:nvSpPr>
+          <p:spPr>
+            <a:xfrm>
+              <a:off x="2461900" y="2898012"/>
+              <a:ext cx="850506" cy="484632"/>
+            </a:xfrm>
+            <a:prstGeom prst="rightArrow">
+              <a:avLst/>
+            </a:prstGeom>
+          </p:spPr>
+          <p:style>
+            <a:lnRef idx="2">
+              <a:schemeClr val="accent1">
+                <a:shade val="50000"/>
+              </a:schemeClr>
+            </a:lnRef>
+            <a:fillRef idx="1">
+              <a:schemeClr val="accent1"/>
+            </a:fillRef>
+            <a:effectRef idx="0">
+              <a:schemeClr val="accent1"/>
+            </a:effectRef>
+            <a:fontRef idx="minor">
+              <a:schemeClr val="lt1"/>
+            </a:fontRef>
+          </p:style>
+          <p:txBody>
+            <a:bodyPr rtlCol="0" anchor="ctr"/>
+            <a:lstStyle/>
+            <a:p>
+              <a:pPr algn="ctr"/>
+              <a:endParaRPr lang="en-US"/>
+            </a:p>
+          </p:txBody>
+        </p:sp>
+        <p:sp>
+          <p:nvSpPr>
+            <p:cNvPr id="32" name="Right Arrow 31"/>
+            <p:cNvSpPr/>
+            <p:nvPr/>
+          </p:nvSpPr>
+          <p:spPr>
+            <a:xfrm>
+              <a:off x="6355644" y="2862960"/>
+              <a:ext cx="850506" cy="484632"/>
+            </a:xfrm>
+            <a:prstGeom prst="rightArrow">
+              <a:avLst/>
+            </a:prstGeom>
+          </p:spPr>
+          <p:style>
+            <a:lnRef idx="2">
+              <a:schemeClr val="accent1">
+                <a:shade val="50000"/>
+              </a:schemeClr>
+            </a:lnRef>
+            <a:fillRef idx="1">
+              <a:schemeClr val="accent1"/>
+            </a:fillRef>
+            <a:effectRef idx="0">
+              <a:schemeClr val="accent1"/>
+            </a:effectRef>
+            <a:fontRef idx="minor">
+              <a:schemeClr val="lt1"/>
+            </a:fontRef>
+          </p:style>
+          <p:txBody>
+            <a:bodyPr rtlCol="0" anchor="ctr"/>
+            <a:lstStyle/>
+            <a:p>
+              <a:pPr algn="ctr"/>
+              <a:endParaRPr lang="en-US"/>
+            </a:p>
+          </p:txBody>
+        </p:sp>
+        <p:grpSp>
+          <p:nvGrpSpPr>
+            <p:cNvPr id="38" name="Group 37"/>
+            <p:cNvGrpSpPr/>
+            <p:nvPr/>
+          </p:nvGrpSpPr>
+          <p:grpSpPr>
+            <a:xfrm>
+              <a:off x="6782125" y="4973730"/>
+              <a:ext cx="2303779" cy="1638183"/>
+              <a:chOff x="6782125" y="4973730"/>
+              <a:chExt cx="2303779" cy="1638183"/>
+            </a:xfrm>
+          </p:grpSpPr>
+          <p:sp>
+            <p:nvSpPr>
+              <p:cNvPr id="19" name="Rectangle 18"/>
+              <p:cNvSpPr/>
+              <p:nvPr/>
+            </p:nvSpPr>
+            <p:spPr>
+              <a:xfrm>
+                <a:off x="7210426" y="4973730"/>
+                <a:ext cx="1447175" cy="1638183"/>
+              </a:xfrm>
+              <a:prstGeom prst="rect">
+                <a:avLst/>
+              </a:prstGeom>
+              <a:blipFill>
+                <a:blip r:embed="rId2"/>
+                <a:tile tx="0" ty="0" sx="100000" sy="100000" flip="none" algn="tl"/>
+              </a:blipFill>
+            </p:spPr>
+            <p:style>
+              <a:lnRef idx="2">
+                <a:schemeClr val="accent1">
+                  <a:shade val="50000"/>
+                </a:schemeClr>
+              </a:lnRef>
+              <a:fillRef idx="1">
+                <a:schemeClr val="accent1"/>
+              </a:fillRef>
+              <a:effectRef idx="0">
+                <a:schemeClr val="accent1"/>
+              </a:effectRef>
+              <a:fontRef idx="minor">
+                <a:schemeClr val="lt1"/>
+              </a:fontRef>
+            </p:style>
+            <p:txBody>
+              <a:bodyPr vert="horz" rtlCol="0" anchor="t" anchorCtr="0"/>
+              <a:lstStyle/>
+              <a:p>
+                <a:pPr algn="ctr"/>
+                <a:r>
+                  <a:rPr lang="en-US" dirty="0" smtClean="0"/>
+                  <a:t>Processing</a:t>
+                </a:r>
+                <a:endParaRPr lang="en-US" dirty="0"/>
+              </a:p>
+            </p:txBody>
+          </p:sp>
+          <p:pic>
+            <p:nvPicPr>
+              <p:cNvPr id="37" name="Picture 36"/>
+              <p:cNvPicPr>
+                <a:picLocks noChangeAspect="1"/>
+              </p:cNvPicPr>
+              <p:nvPr/>
+            </p:nvPicPr>
+            <p:blipFill>
+              <a:blip r:embed="rId6">
+                <a:extLst>
+                  <a:ext uri="{28A0092B-C50C-407E-A947-70E740481C1C}">
+                    <a14:useLocalDpi xmlns:a14="http://schemas.microsoft.com/office/drawing/2010/main" val="0"/>
+                  </a:ext>
+                </a:extLst>
+              </a:blip>
+              <a:stretch>
+                <a:fillRect/>
+              </a:stretch>
+            </p:blipFill>
+            <p:spPr>
+              <a:xfrm>
+                <a:off x="6782125" y="5384884"/>
+                <a:ext cx="2303779" cy="940145"/>
+              </a:xfrm>
+              <a:prstGeom prst="rect">
+                <a:avLst/>
+              </a:prstGeom>
+            </p:spPr>
+          </p:pic>
+        </p:grpSp>
+        <p:sp>
+          <p:nvSpPr>
+            <p:cNvPr id="40" name="Rectangle 39"/>
+            <p:cNvSpPr/>
+            <p:nvPr/>
+          </p:nvSpPr>
+          <p:spPr>
+            <a:xfrm>
+              <a:off x="8854463" y="4923718"/>
+              <a:ext cx="1394925" cy="1688195"/>
+            </a:xfrm>
+            <a:prstGeom prst="rect">
+              <a:avLst/>
+            </a:prstGeom>
+            <a:blipFill>
+              <a:blip r:embed="rId7"/>
+              <a:tile tx="0" ty="0" sx="100000" sy="100000" flip="none" algn="tl"/>
+            </a:blipFill>
+          </p:spPr>
+          <p:style>
+            <a:lnRef idx="2">
+              <a:schemeClr val="accent1">
+                <a:shade val="50000"/>
+              </a:schemeClr>
+            </a:lnRef>
+            <a:fillRef idx="1">
+              <a:schemeClr val="accent1"/>
+            </a:fillRef>
+            <a:effectRef idx="0">
+              <a:schemeClr val="accent1"/>
+            </a:effectRef>
+            <a:fontRef idx="minor">
+              <a:schemeClr val="lt1"/>
+            </a:fontRef>
+          </p:style>
+          <p:txBody>
+            <a:bodyPr rtlCol="0" anchor="t" anchorCtr="0"/>
+            <a:lstStyle/>
+            <a:p>
+              <a:pPr algn="ctr"/>
+              <a:r>
+                <a:rPr lang="en-US" dirty="0" smtClean="0"/>
+                <a:t>UI</a:t>
+              </a:r>
+              <a:endParaRPr lang="en-US" dirty="0"/>
+            </a:p>
+          </p:txBody>
+        </p:sp>
+      </p:grpSp>
+      <p:grpSp>
+        <p:nvGrpSpPr>
+          <p:cNvPr id="7" name="Group 6"/>
+          <p:cNvGrpSpPr/>
+          <p:nvPr/>
+        </p:nvGrpSpPr>
+        <p:grpSpPr>
+          <a:xfrm>
+            <a:off x="229408" y="2657876"/>
+            <a:ext cx="1026346" cy="1288879"/>
+            <a:chOff x="229408" y="2657876"/>
+            <a:chExt cx="1026346" cy="1288879"/>
+          </a:xfrm>
+        </p:grpSpPr>
+        <p:pic>
+          <p:nvPicPr>
+            <p:cNvPr id="4" name="Picture 3"/>
+            <p:cNvPicPr>
+              <a:picLocks noChangeAspect="1"/>
+            </p:cNvPicPr>
+            <p:nvPr/>
+          </p:nvPicPr>
+          <p:blipFill>
+            <a:blip r:embed="rId8">
+              <a:extLst>
+                <a:ext uri="{28A0092B-C50C-407E-A947-70E740481C1C}">
+                  <a14:useLocalDpi xmlns:a14="http://schemas.microsoft.com/office/drawing/2010/main" val="0"/>
+                </a:ext>
+              </a:extLst>
+            </a:blip>
+            <a:stretch>
+              <a:fillRect/>
+            </a:stretch>
+          </p:blipFill>
+          <p:spPr>
+            <a:xfrm>
+              <a:off x="282808" y="2657876"/>
+              <a:ext cx="919547" cy="919547"/>
+            </a:xfrm>
+            <a:prstGeom prst="rect">
+              <a:avLst/>
+            </a:prstGeom>
+          </p:spPr>
+        </p:pic>
+        <p:sp>
+          <p:nvSpPr>
+            <p:cNvPr id="5" name="TextBox 4"/>
+            <p:cNvSpPr txBox="1"/>
+            <p:nvPr/>
+          </p:nvSpPr>
+          <p:spPr>
+            <a:xfrm>
+              <a:off x="229408" y="3577423"/>
+              <a:ext cx="1026346" cy="369332"/>
+            </a:xfrm>
+            <a:prstGeom prst="rect">
+              <a:avLst/>
+            </a:prstGeom>
+            <a:noFill/>
+          </p:spPr>
+          <p:txBody>
+            <a:bodyPr wrap="square" rtlCol="0">
+              <a:spAutoFit/>
+            </a:bodyPr>
+            <a:lstStyle/>
+            <a:p>
+              <a:r>
+                <a:rPr lang="en-US" smtClean="0"/>
+                <a:t>Level DB</a:t>
+              </a:r>
+              <a:endParaRPr lang="en-US" dirty="0"/>
+            </a:p>
+          </p:txBody>
+        </p:sp>
+      </p:grpSp>
+      <p:sp>
+        <p:nvSpPr>
+          <p:cNvPr id="8" name="Chevron 7"/>
+          <p:cNvSpPr/>
+          <p:nvPr/>
+        </p:nvSpPr>
+        <p:spPr>
+          <a:xfrm>
+            <a:off x="1247310" y="2816770"/>
+            <a:ext cx="283486" cy="601758"/>
+          </a:xfrm>
+          <a:prstGeom prst="chevron">
+            <a:avLst/>
+          </a:prstGeom>
+        </p:spPr>
+        <p:style>
+          <a:lnRef idx="2">
+            <a:schemeClr val="accent1">
+              <a:shade val="50000"/>
+            </a:schemeClr>
+          </a:lnRef>
+          <a:fillRef idx="1">
+            <a:schemeClr val="accent1"/>
+          </a:fillRef>
+          <a:effectRef idx="0">
+            <a:schemeClr val="accent1"/>
+          </a:effectRef>
+          <a:fontRef idx="minor">
+            <a:schemeClr val="lt1"/>
+          </a:fontRef>
+        </p:style>
+        <p:txBody>
+          <a:bodyPr rtlCol="0" anchor="ctr"/>
+          <a:lstStyle/>
+          <a:p>
+            <a:pPr algn="ctr"/>
+            <a:endParaRPr lang="en-US">
+              <a:solidFill>
+                <a:schemeClr val="tx1"/>
+              </a:solidFill>
+            </a:endParaRPr>
+          </a:p>
+        </p:txBody>
+      </p:sp>
+      <p:pic>
+        <p:nvPicPr>
+          <p:cNvPr id="13" name="Picture 12"/>
+          <p:cNvPicPr>
+            <a:picLocks noChangeAspect="1"/>
+          </p:cNvPicPr>
+          <p:nvPr/>
+        </p:nvPicPr>
+        <p:blipFill>
+          <a:blip r:embed="rId9">
+            <a:extLst>
+              <a:ext uri="{28A0092B-C50C-407E-A947-70E740481C1C}">
+                <a14:useLocalDpi xmlns:a14="http://schemas.microsoft.com/office/drawing/2010/main" val="0"/>
+              </a:ext>
+            </a:extLst>
+          </a:blip>
+          <a:stretch>
+            <a:fillRect/>
+          </a:stretch>
+        </p:blipFill>
+        <p:spPr>
+          <a:xfrm>
+            <a:off x="1886772" y="2421742"/>
+            <a:ext cx="1107845" cy="1107845"/>
+          </a:xfrm>
+          <a:prstGeom prst="rect">
+            <a:avLst/>
+          </a:prstGeom>
+        </p:spPr>
+      </p:pic>
+      <p:sp>
+        <p:nvSpPr>
+          <p:cNvPr id="10" name="Up-Down Arrow 9"/>
+          <p:cNvSpPr/>
+          <p:nvPr/>
+        </p:nvSpPr>
+        <p:spPr>
+          <a:xfrm flipH="1">
+            <a:off x="8631328" y="4170990"/>
+            <a:ext cx="274048" cy="638077"/>
+          </a:xfrm>
+          <a:prstGeom prst="upDownArrow">
+            <a:avLst/>
+          </a:prstGeom>
+        </p:spPr>
+        <p:style>
+          <a:lnRef idx="2">
+            <a:schemeClr val="accent1">
+              <a:shade val="50000"/>
+            </a:schemeClr>
+          </a:lnRef>
+          <a:fillRef idx="1">
+            <a:schemeClr val="accent1"/>
+          </a:fillRef>
+          <a:effectRef idx="0">
+            <a:schemeClr val="accent1"/>
+          </a:effectRef>
+          <a:fontRef idx="minor">
+            <a:schemeClr val="lt1"/>
+          </a:fontRef>
+        </p:style>
+        <p:txBody>
+          <a:bodyPr rtlCol="0" anchor="ctr"/>
+          <a:lstStyle/>
+          <a:p>
+            <a:pPr algn="ctr"/>
+            <a:endParaRPr lang="en-US"/>
+          </a:p>
+        </p:txBody>
+      </p:sp>
+      <p:sp>
+        <p:nvSpPr>
+          <p:cNvPr id="14" name="Down Arrow 13"/>
+          <p:cNvSpPr/>
+          <p:nvPr/>
+        </p:nvSpPr>
+        <p:spPr>
+          <a:xfrm>
+            <a:off x="10219363" y="4170990"/>
+            <a:ext cx="333802" cy="588065"/>
+          </a:xfrm>
+          <a:prstGeom prst="downArrow">
+            <a:avLst/>
+          </a:prstGeom>
+        </p:spPr>
+        <p:style>
+          <a:lnRef idx="2">
+            <a:schemeClr val="accent1">
+              <a:shade val="50000"/>
+            </a:schemeClr>
+          </a:lnRef>
+          <a:fillRef idx="1">
+            <a:schemeClr val="accent1"/>
+          </a:fillRef>
+          <a:effectRef idx="0">
+            <a:schemeClr val="accent1"/>
+          </a:effectRef>
+          <a:fontRef idx="minor">
+            <a:schemeClr val="lt1"/>
+          </a:fontRef>
+        </p:style>
+        <p:txBody>
+          <a:bodyPr rtlCol="0" anchor="ctr"/>
+          <a:lstStyle/>
+          <a:p>
+            <a:pPr algn="ctr"/>
+            <a:endParaRPr lang="en-US"/>
+          </a:p>
+        </p:txBody>
+      </p:sp>
+      <p:pic>
+        <p:nvPicPr>
+          <p:cNvPr id="17" name="Picture 16"/>
+          <p:cNvPicPr>
+            <a:picLocks noChangeAspect="1"/>
+          </p:cNvPicPr>
+          <p:nvPr/>
+        </p:nvPicPr>
+        <p:blipFill>
+          <a:blip r:embed="rId10">
+            <a:extLst>
+              <a:ext uri="{28A0092B-C50C-407E-A947-70E740481C1C}">
+                <a14:useLocalDpi xmlns:a14="http://schemas.microsoft.com/office/drawing/2010/main" val="0"/>
+              </a:ext>
+            </a:extLst>
+          </a:blip>
+          <a:stretch>
+            <a:fillRect/>
+          </a:stretch>
+        </p:blipFill>
+        <p:spPr>
+          <a:xfrm>
+            <a:off x="9755121" y="5059150"/>
+            <a:ext cx="1262285" cy="1262285"/>
+          </a:xfrm>
+          <a:prstGeom prst="rect">
+            <a:avLst/>
+          </a:prstGeom>
+        </p:spPr>
+      </p:pic>
+      <p:sp>
+        <p:nvSpPr>
+          <p:cNvPr id="30" name="TextBox 29"/>
+          <p:cNvSpPr txBox="1"/>
+          <p:nvPr/>
+        </p:nvSpPr>
+        <p:spPr>
+          <a:xfrm>
+            <a:off x="4246993" y="4809067"/>
+            <a:ext cx="2942990" cy="923330"/>
+          </a:xfrm>
+          <a:prstGeom prst="rect">
+            <a:avLst/>
+          </a:prstGeom>
+          <a:noFill/>
+        </p:spPr>
+        <p:txBody>
+          <a:bodyPr wrap="square" rtlCol="0">
+            <a:spAutoFit/>
+          </a:bodyPr>
+          <a:lstStyle/>
+          <a:p>
+            <a:r>
+              <a:rPr lang="en-US" dirty="0" smtClean="0"/>
+              <a:t>Monitoring: Kafka Manager</a:t>
+            </a:r>
+          </a:p>
+          <a:p>
+            <a:r>
+              <a:rPr lang="en-US" dirty="0" err="1" smtClean="0"/>
+              <a:t>Kafkacat</a:t>
+            </a:r>
+            <a:endParaRPr lang="en-US" dirty="0" smtClean="0"/>
+          </a:p>
+          <a:p>
+            <a:r>
+              <a:rPr lang="en-US" dirty="0" err="1" smtClean="0"/>
+              <a:t>Docker</a:t>
+            </a:r>
+            <a:r>
+              <a:rPr lang="en-US" dirty="0" smtClean="0"/>
+              <a:t>: Kafka, Zoo, </a:t>
+            </a:r>
+            <a:r>
+              <a:rPr lang="en-US" dirty="0" err="1" smtClean="0"/>
+              <a:t>Logstash</a:t>
+            </a:r>
+            <a:endParaRPr lang="en-US" dirty="0"/>
+          </a:p>
+        </p:txBody>
+      </p:sp>
+      <p:sp>
+        <p:nvSpPr>
+          <p:cNvPr id="31" name="TextBox 30"/>
+          <p:cNvSpPr txBox="1"/>
+          <p:nvPr/>
+        </p:nvSpPr>
+        <p:spPr>
+          <a:xfrm>
+            <a:off x="8071184" y="375449"/>
+            <a:ext cx="2976917" cy="923330"/>
+          </a:xfrm>
+          <a:prstGeom prst="rect">
+            <a:avLst/>
+          </a:prstGeom>
+          <a:noFill/>
+        </p:spPr>
+        <p:txBody>
+          <a:bodyPr wrap="square" rtlCol="0">
+            <a:spAutoFit/>
+          </a:bodyPr>
+          <a:lstStyle/>
+          <a:p>
+            <a:r>
+              <a:rPr lang="en-US" dirty="0" smtClean="0"/>
+              <a:t>Monitoring: Elastic Maven</a:t>
+            </a:r>
+          </a:p>
+          <a:p>
+            <a:r>
+              <a:rPr lang="en-US" dirty="0" err="1" smtClean="0"/>
+              <a:t>Docker</a:t>
+            </a:r>
+            <a:r>
+              <a:rPr lang="en-US" dirty="0" smtClean="0"/>
+              <a:t>: Elastic, Meteor</a:t>
+            </a:r>
+            <a:endParaRPr lang="en-US" dirty="0"/>
+          </a:p>
+          <a:p>
+            <a:endParaRPr lang="en-US" dirty="0"/>
+          </a:p>
+        </p:txBody>
+      </p:sp>
+      <p:sp>
+        <p:nvSpPr>
+          <p:cNvPr id="33" name="Right Brace 32"/>
+          <p:cNvSpPr/>
+          <p:nvPr/>
+        </p:nvSpPr>
+        <p:spPr>
+          <a:xfrm rot="5400000">
+            <a:off x="5426727" y="3054562"/>
+            <a:ext cx="483274" cy="3043238"/>
+          </a:xfrm>
+          <a:prstGeom prst="rightBrace">
+            <a:avLst/>
+          </a:prstGeom>
+        </p:spPr>
+        <p:style>
+          <a:lnRef idx="1">
+            <a:schemeClr val="accent1"/>
+          </a:lnRef>
+          <a:fillRef idx="0">
+            <a:schemeClr val="accent1"/>
+          </a:fillRef>
+          <a:effectRef idx="0">
+            <a:schemeClr val="accent1"/>
+          </a:effectRef>
+          <a:fontRef idx="minor">
+            <a:schemeClr val="tx1"/>
+          </a:fontRef>
+        </p:style>
+        <p:txBody>
+          <a:bodyPr rtlCol="0" anchor="ctr"/>
+          <a:lstStyle/>
+          <a:p>
+            <a:pPr algn="ctr"/>
+            <a:endParaRPr lang="en-US"/>
+          </a:p>
+        </p:txBody>
+      </p:sp>
+      <p:sp>
+        <p:nvSpPr>
+          <p:cNvPr id="34" name="Right Brace 33"/>
+          <p:cNvSpPr/>
+          <p:nvPr/>
+        </p:nvSpPr>
+        <p:spPr>
+          <a:xfrm rot="16200000">
+            <a:off x="9252337" y="-192026"/>
+            <a:ext cx="614612" cy="2968473"/>
+          </a:xfrm>
+          <a:prstGeom prst="rightBrace">
+            <a:avLst/>
+          </a:prstGeom>
+        </p:spPr>
+        <p:style>
+          <a:lnRef idx="1">
+            <a:schemeClr val="accent1"/>
+          </a:lnRef>
+          <a:fillRef idx="0">
+            <a:schemeClr val="accent1"/>
+          </a:fillRef>
+          <a:effectRef idx="0">
+            <a:schemeClr val="accent1"/>
+          </a:effectRef>
+          <a:fontRef idx="minor">
+            <a:schemeClr val="tx1"/>
+          </a:fontRef>
+        </p:style>
+        <p:txBody>
+          <a:bodyPr rtlCol="0" anchor="ctr"/>
+          <a:lstStyle/>
+          <a:p>
+            <a:pPr algn="ctr"/>
+            <a:endParaRPr lang="en-US"/>
+          </a:p>
+        </p:txBody>
+      </p:sp>
+      <p:sp>
+        <p:nvSpPr>
+          <p:cNvPr id="39" name="Right Brace 38"/>
+          <p:cNvSpPr/>
+          <p:nvPr/>
+        </p:nvSpPr>
+        <p:spPr>
+          <a:xfrm rot="5400000">
+            <a:off x="1600063" y="3027868"/>
+            <a:ext cx="483274" cy="3043238"/>
+          </a:xfrm>
+          <a:prstGeom prst="rightBrace">
+            <a:avLst/>
+          </a:prstGeom>
+        </p:spPr>
+        <p:style>
+          <a:lnRef idx="1">
+            <a:schemeClr val="accent1"/>
+          </a:lnRef>
+          <a:fillRef idx="0">
+            <a:schemeClr val="accent1"/>
+          </a:fillRef>
+          <a:effectRef idx="0">
+            <a:schemeClr val="accent1"/>
+          </a:effectRef>
+          <a:fontRef idx="minor">
+            <a:schemeClr val="tx1"/>
+          </a:fontRef>
+        </p:style>
+        <p:txBody>
+          <a:bodyPr rtlCol="0" anchor="ctr"/>
+          <a:lstStyle/>
+          <a:p>
+            <a:pPr algn="ctr"/>
+            <a:endParaRPr lang="en-US"/>
+          </a:p>
+        </p:txBody>
+      </p:sp>
+      <p:sp>
+        <p:nvSpPr>
+          <p:cNvPr id="35" name="TextBox 34"/>
+          <p:cNvSpPr txBox="1"/>
+          <p:nvPr/>
+        </p:nvSpPr>
+        <p:spPr>
+          <a:xfrm>
+            <a:off x="510363" y="4759055"/>
+            <a:ext cx="2785875" cy="369332"/>
+          </a:xfrm>
+          <a:prstGeom prst="rect">
+            <a:avLst/>
+          </a:prstGeom>
+          <a:noFill/>
+        </p:spPr>
+        <p:txBody>
+          <a:bodyPr wrap="square" rtlCol="0">
+            <a:spAutoFit/>
+          </a:bodyPr>
+          <a:lstStyle/>
+          <a:p>
+            <a:r>
+              <a:rPr lang="en-US" dirty="0" err="1" smtClean="0"/>
+              <a:t>Docker</a:t>
+            </a:r>
+            <a:r>
+              <a:rPr lang="en-US" dirty="0" smtClean="0"/>
+              <a:t>: </a:t>
+            </a:r>
+            <a:r>
+              <a:rPr lang="en-US" dirty="0" err="1" smtClean="0"/>
+              <a:t>BitcoinD</a:t>
+            </a:r>
+            <a:endParaRPr lang="en-US" dirty="0"/>
+          </a:p>
+        </p:txBody>
+      </p:sp>
+      <p:pic>
+        <p:nvPicPr>
+          <p:cNvPr id="42" name="Picture 41"/>
+          <p:cNvPicPr>
+            <a:picLocks noChangeAspect="1"/>
+          </p:cNvPicPr>
+          <p:nvPr/>
+        </p:nvPicPr>
+        <p:blipFill>
+          <a:blip r:embed="rId11">
+            <a:extLst>
+              <a:ext uri="{28A0092B-C50C-407E-A947-70E740481C1C}">
+                <a14:useLocalDpi xmlns:a14="http://schemas.microsoft.com/office/drawing/2010/main" val="0"/>
+              </a:ext>
+            </a:extLst>
+          </a:blip>
+          <a:stretch>
+            <a:fillRect/>
+          </a:stretch>
+        </p:blipFill>
+        <p:spPr>
+          <a:xfrm>
+            <a:off x="14568" y="5238824"/>
+            <a:ext cx="3554194" cy="1208426"/>
+          </a:xfrm>
+          <a:prstGeom prst="rect">
+            <a:avLst/>
+          </a:prstGeom>
+        </p:spPr>
+      </p:pic>
+    </p:spTree>
+    <p:extLst>
+      <p:ext uri="{BB962C8B-B14F-4D97-AF65-F5344CB8AC3E}">
+        <p14:creationId xmlns:p14="http://schemas.microsoft.com/office/powerpoint/2010/main" val="2089018456"/>
+      </p:ext>
+    </p:extLst>
+  </p:cSld>
+  <p:clrMapOvr>
+    <a:masterClrMapping/>
+  </p:clrMapOvr>
+  <p:timing>
+    <p:tnLst>
+      <p:par>
+        <p:cTn id="1" dur="indefinite" restart="never" nodeType="tmRoot"/>
+      </p:par>
+    </p:tnLst>
+  </p:timing>
+</p:sld>
+</file>
+
+<file path=ppt/slides/slide8.xml><?xml version="1.0" encoding="utf-8"?>
+<p:sld xmlns:a="http://schemas.openxmlformats.org/drawingml/2006/main" xmlns:r="http://schemas.openxmlformats.org/officeDocument/2006/relationships" xmlns:p="http://schemas.openxmlformats.org/presentationml/2006/main">
+  <p:cSld>
+    <p:spTree>
+      <p:nvGrpSpPr>
+        <p:cNvPr id="1" name=""/>
+        <p:cNvGrpSpPr/>
+        <p:nvPr/>
+      </p:nvGrpSpPr>
+      <p:grpSpPr>
+        <a:xfrm>
+          <a:off x="0" y="0"/>
+          <a:ext cx="0" cy="0"/>
+          <a:chOff x="0" y="0"/>
+          <a:chExt cx="0" cy="0"/>
+        </a:xfrm>
+      </p:grpSpPr>
+      <p:sp>
+        <p:nvSpPr>
+          <p:cNvPr id="2" name="Title 1"/>
+          <p:cNvSpPr>
+            <a:spLocks noGrp="1"/>
+          </p:cNvSpPr>
+          <p:nvPr>
+            <p:ph type="title"/>
+          </p:nvPr>
+        </p:nvSpPr>
         <p:spPr/>
         <p:txBody>
           <a:bodyPr/>
@@ -5324,7 +6428,11 @@
           <a:p>
             <a:r>
               <a:rPr lang="en-US" dirty="0" smtClean="0"/>
-              <a:t>About me</a:t>
+              <a:t>Igor </a:t>
+            </a:r>
+            <a:r>
+              <a:rPr lang="en-US" dirty="0" err="1" smtClean="0"/>
+              <a:t>Barinov</a:t>
             </a:r>
             <a:endParaRPr lang="en-US" dirty="0"/>
           </a:p>
@@ -5340,9 +6448,16 @@
             <p:ph idx="1"/>
           </p:nvPr>
         </p:nvSpPr>
-        <p:spPr/>
-        <p:txBody>
-          <a:bodyPr/>
+        <p:spPr>
+          <a:xfrm>
+            <a:off x="350874" y="1825625"/>
+            <a:ext cx="11002926" cy="4351338"/>
+          </a:xfrm>
+        </p:spPr>
+        <p:txBody>
+          <a:bodyPr>
+            <a:normAutofit lnSpcReduction="10000"/>
+          </a:bodyPr>
           <a:lstStyle/>
           <a:p>
             <a:r>
@@ -5359,10 +6474,93 @@
               <a:rPr lang="en-US" dirty="0" err="1" smtClean="0"/>
               <a:t>Hackathons</a:t>
             </a:r>
-            <a:r>
-              <a:rPr lang="en-US" dirty="0" smtClean="0"/>
-              <a:t>, Reading</a:t>
-            </a:r>
+            <a:endParaRPr lang="en-US" dirty="0" smtClean="0"/>
+          </a:p>
+          <a:p>
+            <a:pPr marL="0" indent="0">
+              <a:buNone/>
+            </a:pPr>
+            <a:endParaRPr lang="en-US" dirty="0" smtClean="0"/>
+          </a:p>
+          <a:p>
+            <a:pPr marL="0" indent="0">
+              <a:buNone/>
+            </a:pPr>
+            <a:endParaRPr lang="en-US" dirty="0"/>
+          </a:p>
+          <a:p>
+            <a:pPr marL="0" indent="0">
+              <a:buNone/>
+            </a:pPr>
+            <a:endParaRPr lang="en-US" dirty="0" smtClean="0"/>
+          </a:p>
+          <a:p>
+            <a:pPr marL="0" indent="0">
+              <a:buNone/>
+            </a:pPr>
+            <a:endParaRPr lang="en-US" dirty="0" smtClean="0"/>
+          </a:p>
+          <a:p>
+            <a:pPr marL="0" indent="0">
+              <a:buNone/>
+            </a:pPr>
+            <a:r>
+              <a:rPr lang="en-US" sz="2400" dirty="0" smtClean="0"/>
+              <a:t>@</a:t>
+            </a:r>
+            <a:r>
+              <a:rPr lang="en-US" sz="2400" dirty="0" err="1" smtClean="0"/>
+              <a:t>barinov</a:t>
+            </a:r>
+            <a:endParaRPr lang="en-US" sz="2400" dirty="0" smtClean="0"/>
+          </a:p>
+          <a:p>
+            <a:pPr marL="0" indent="0">
+              <a:buNone/>
+            </a:pPr>
+            <a:r>
+              <a:rPr lang="en-US" sz="2400" dirty="0" smtClean="0"/>
+              <a:t>http://</a:t>
+            </a:r>
+            <a:r>
+              <a:rPr lang="en-US" sz="2400" dirty="0" err="1" smtClean="0"/>
+              <a:t>www.linkedin.com</a:t>
+            </a:r>
+            <a:r>
+              <a:rPr lang="en-US" sz="2400" dirty="0" smtClean="0"/>
+              <a:t>/in/</a:t>
+            </a:r>
+            <a:r>
+              <a:rPr lang="en-US" sz="2400" dirty="0" err="1" smtClean="0"/>
+              <a:t>igorbarinov</a:t>
+            </a:r>
+            <a:r>
+              <a:rPr lang="en-US" sz="2400" dirty="0"/>
+              <a:t>/</a:t>
+            </a:r>
+          </a:p>
+          <a:p>
+            <a:pPr marL="0" indent="0">
+              <a:buNone/>
+            </a:pPr>
+            <a:r>
+              <a:rPr lang="en-US" sz="2400" dirty="0">
+                <a:hlinkClick r:id="rId2"/>
+              </a:rPr>
+              <a:t>https://github.com/igorbarinov</a:t>
+            </a:r>
+            <a:r>
+              <a:rPr lang="en-US" sz="2400" dirty="0" smtClean="0">
+                <a:hlinkClick r:id="rId2"/>
+              </a:rPr>
+              <a:t>/</a:t>
+            </a:r>
+            <a:endParaRPr lang="en-US" sz="2400" dirty="0" smtClean="0"/>
+          </a:p>
+          <a:p>
+            <a:pPr marL="0" indent="0">
+              <a:buNone/>
+            </a:pPr>
             <a:endParaRPr lang="en-US" dirty="0"/>
           </a:p>
         </p:txBody>
@@ -5376,7 +6574,7 @@
           <p:nvPr/>
         </p:nvPicPr>
         <p:blipFill>
-          <a:blip r:embed="rId2">
+          <a:blip r:embed="rId3">
             <a:extLst>
               <a:ext uri="{28A0092B-C50C-407E-A947-70E740481C1C}">
                 <a14:useLocalDpi xmlns:a14="http://schemas.microsoft.com/office/drawing/2010/main" val="0"/>

--- a/presentation/blockchain_now.pptx
+++ b/presentation/blockchain_now.pptx
@@ -4,6 +4,9 @@
   <p:sldMasterIdLst>
     <p:sldMasterId id="2147483648" r:id="rId1"/>
   </p:sldMasterIdLst>
+  <p:notesMasterIdLst>
+    <p:notesMasterId r:id="rId10"/>
+  </p:notesMasterIdLst>
   <p:sldIdLst>
     <p:sldId id="256" r:id="rId2"/>
     <p:sldId id="262" r:id="rId3"/>
@@ -119,6 +122,524 @@
 </p:presentation>
 </file>
 
+<file path=ppt/notesMasters/notesMaster1.xml><?xml version="1.0" encoding="utf-8"?>
+<p:notesMaster xmlns:a="http://schemas.openxmlformats.org/drawingml/2006/main" xmlns:r="http://schemas.openxmlformats.org/officeDocument/2006/relationships" xmlns:p="http://schemas.openxmlformats.org/presentationml/2006/main">
+  <p:cSld>
+    <p:bg>
+      <p:bgRef idx="1001">
+        <a:schemeClr val="bg1"/>
+      </p:bgRef>
+    </p:bg>
+    <p:spTree>
+      <p:nvGrpSpPr>
+        <p:cNvPr id="1" name=""/>
+        <p:cNvGrpSpPr/>
+        <p:nvPr/>
+      </p:nvGrpSpPr>
+      <p:grpSpPr>
+        <a:xfrm>
+          <a:off x="0" y="0"/>
+          <a:ext cx="0" cy="0"/>
+          <a:chOff x="0" y="0"/>
+          <a:chExt cx="0" cy="0"/>
+        </a:xfrm>
+      </p:grpSpPr>
+      <p:sp>
+        <p:nvSpPr>
+          <p:cNvPr id="2" name="Header Placeholder 1"/>
+          <p:cNvSpPr>
+            <a:spLocks noGrp="1"/>
+          </p:cNvSpPr>
+          <p:nvPr>
+            <p:ph type="hdr" sz="quarter"/>
+          </p:nvPr>
+        </p:nvSpPr>
+        <p:spPr>
+          <a:xfrm>
+            <a:off x="0" y="0"/>
+            <a:ext cx="2971800" cy="458788"/>
+          </a:xfrm>
+          <a:prstGeom prst="rect">
+            <a:avLst/>
+          </a:prstGeom>
+        </p:spPr>
+        <p:txBody>
+          <a:bodyPr vert="horz" lIns="91440" tIns="45720" rIns="91440" bIns="45720" rtlCol="0"/>
+          <a:lstStyle>
+            <a:lvl1pPr algn="l">
+              <a:defRPr sz="1200"/>
+            </a:lvl1pPr>
+          </a:lstStyle>
+          <a:p>
+            <a:endParaRPr lang="en-US"/>
+          </a:p>
+        </p:txBody>
+      </p:sp>
+      <p:sp>
+        <p:nvSpPr>
+          <p:cNvPr id="3" name="Date Placeholder 2"/>
+          <p:cNvSpPr>
+            <a:spLocks noGrp="1"/>
+          </p:cNvSpPr>
+          <p:nvPr>
+            <p:ph type="dt" idx="1"/>
+          </p:nvPr>
+        </p:nvSpPr>
+        <p:spPr>
+          <a:xfrm>
+            <a:off x="3884613" y="0"/>
+            <a:ext cx="2971800" cy="458788"/>
+          </a:xfrm>
+          <a:prstGeom prst="rect">
+            <a:avLst/>
+          </a:prstGeom>
+        </p:spPr>
+        <p:txBody>
+          <a:bodyPr vert="horz" lIns="91440" tIns="45720" rIns="91440" bIns="45720" rtlCol="0"/>
+          <a:lstStyle>
+            <a:lvl1pPr algn="r">
+              <a:defRPr sz="1200"/>
+            </a:lvl1pPr>
+          </a:lstStyle>
+          <a:p>
+            <a:fld id="{C16E67CF-15E5-E346-9FDA-6C1EEA3272D4}" type="datetimeFigureOut">
+              <a:rPr lang="en-US" smtClean="0"/>
+              <a:t>7/1/15</a:t>
+            </a:fld>
+            <a:endParaRPr lang="en-US"/>
+          </a:p>
+        </p:txBody>
+      </p:sp>
+      <p:sp>
+        <p:nvSpPr>
+          <p:cNvPr id="4" name="Slide Image Placeholder 3"/>
+          <p:cNvSpPr>
+            <a:spLocks noGrp="1" noRot="1" noChangeAspect="1"/>
+          </p:cNvSpPr>
+          <p:nvPr>
+            <p:ph type="sldImg" idx="2"/>
+          </p:nvPr>
+        </p:nvSpPr>
+        <p:spPr>
+          <a:xfrm>
+            <a:off x="685800" y="1143000"/>
+            <a:ext cx="5486400" cy="3086100"/>
+          </a:xfrm>
+          <a:prstGeom prst="rect">
+            <a:avLst/>
+          </a:prstGeom>
+          <a:noFill/>
+          <a:ln w="12700">
+            <a:solidFill>
+              <a:prstClr val="black"/>
+            </a:solidFill>
+          </a:ln>
+        </p:spPr>
+        <p:txBody>
+          <a:bodyPr vert="horz" lIns="91440" tIns="45720" rIns="91440" bIns="45720" rtlCol="0" anchor="ctr"/>
+          <a:lstStyle/>
+          <a:p>
+            <a:endParaRPr lang="en-US"/>
+          </a:p>
+        </p:txBody>
+      </p:sp>
+      <p:sp>
+        <p:nvSpPr>
+          <p:cNvPr id="5" name="Notes Placeholder 4"/>
+          <p:cNvSpPr>
+            <a:spLocks noGrp="1"/>
+          </p:cNvSpPr>
+          <p:nvPr>
+            <p:ph type="body" sz="quarter" idx="3"/>
+          </p:nvPr>
+        </p:nvSpPr>
+        <p:spPr>
+          <a:xfrm>
+            <a:off x="685800" y="4400550"/>
+            <a:ext cx="5486400" cy="3600450"/>
+          </a:xfrm>
+          <a:prstGeom prst="rect">
+            <a:avLst/>
+          </a:prstGeom>
+        </p:spPr>
+        <p:txBody>
+          <a:bodyPr vert="horz" lIns="91440" tIns="45720" rIns="91440" bIns="45720" rtlCol="0"/>
+          <a:lstStyle/>
+          <a:p>
+            <a:pPr lvl="0"/>
+            <a:r>
+              <a:rPr lang="en-US" smtClean="0"/>
+              <a:t>Click to edit Master text styles</a:t>
+            </a:r>
+          </a:p>
+          <a:p>
+            <a:pPr lvl="1"/>
+            <a:r>
+              <a:rPr lang="en-US" smtClean="0"/>
+              <a:t>Second level</a:t>
+            </a:r>
+          </a:p>
+          <a:p>
+            <a:pPr lvl="2"/>
+            <a:r>
+              <a:rPr lang="en-US" smtClean="0"/>
+              <a:t>Third level</a:t>
+            </a:r>
+          </a:p>
+          <a:p>
+            <a:pPr lvl="3"/>
+            <a:r>
+              <a:rPr lang="en-US" smtClean="0"/>
+              <a:t>Fourth level</a:t>
+            </a:r>
+          </a:p>
+          <a:p>
+            <a:pPr lvl="4"/>
+            <a:r>
+              <a:rPr lang="en-US" smtClean="0"/>
+              <a:t>Fifth level</a:t>
+            </a:r>
+            <a:endParaRPr lang="en-US"/>
+          </a:p>
+        </p:txBody>
+      </p:sp>
+      <p:sp>
+        <p:nvSpPr>
+          <p:cNvPr id="6" name="Footer Placeholder 5"/>
+          <p:cNvSpPr>
+            <a:spLocks noGrp="1"/>
+          </p:cNvSpPr>
+          <p:nvPr>
+            <p:ph type="ftr" sz="quarter" idx="4"/>
+          </p:nvPr>
+        </p:nvSpPr>
+        <p:spPr>
+          <a:xfrm>
+            <a:off x="0" y="8685213"/>
+            <a:ext cx="2971800" cy="458787"/>
+          </a:xfrm>
+          <a:prstGeom prst="rect">
+            <a:avLst/>
+          </a:prstGeom>
+        </p:spPr>
+        <p:txBody>
+          <a:bodyPr vert="horz" lIns="91440" tIns="45720" rIns="91440" bIns="45720" rtlCol="0" anchor="b"/>
+          <a:lstStyle>
+            <a:lvl1pPr algn="l">
+              <a:defRPr sz="1200"/>
+            </a:lvl1pPr>
+          </a:lstStyle>
+          <a:p>
+            <a:endParaRPr lang="en-US"/>
+          </a:p>
+        </p:txBody>
+      </p:sp>
+      <p:sp>
+        <p:nvSpPr>
+          <p:cNvPr id="7" name="Slide Number Placeholder 6"/>
+          <p:cNvSpPr>
+            <a:spLocks noGrp="1"/>
+          </p:cNvSpPr>
+          <p:nvPr>
+            <p:ph type="sldNum" sz="quarter" idx="5"/>
+          </p:nvPr>
+        </p:nvSpPr>
+        <p:spPr>
+          <a:xfrm>
+            <a:off x="3884613" y="8685213"/>
+            <a:ext cx="2971800" cy="458787"/>
+          </a:xfrm>
+          <a:prstGeom prst="rect">
+            <a:avLst/>
+          </a:prstGeom>
+        </p:spPr>
+        <p:txBody>
+          <a:bodyPr vert="horz" lIns="91440" tIns="45720" rIns="91440" bIns="45720" rtlCol="0" anchor="b"/>
+          <a:lstStyle>
+            <a:lvl1pPr algn="r">
+              <a:defRPr sz="1200"/>
+            </a:lvl1pPr>
+          </a:lstStyle>
+          <a:p>
+            <a:fld id="{1868D238-C392-E84F-ABDD-4B2D353F64ED}" type="slidenum">
+              <a:rPr lang="en-US" smtClean="0"/>
+              <a:t>‹#›</a:t>
+            </a:fld>
+            <a:endParaRPr lang="en-US"/>
+          </a:p>
+        </p:txBody>
+      </p:sp>
+    </p:spTree>
+    <p:extLst>
+      <p:ext uri="{BB962C8B-B14F-4D97-AF65-F5344CB8AC3E}">
+        <p14:creationId xmlns:p14="http://schemas.microsoft.com/office/powerpoint/2010/main" val="402724286"/>
+      </p:ext>
+    </p:extLst>
+  </p:cSld>
+  <p:clrMap bg1="lt1" tx1="dk1" bg2="lt2" tx2="dk2" accent1="accent1" accent2="accent2" accent3="accent3" accent4="accent4" accent5="accent5" accent6="accent6" hlink="hlink" folHlink="folHlink"/>
+  <p:notesStyle>
+    <a:lvl1pPr marL="0" algn="l" defTabSz="914400" rtl="0" eaLnBrk="1" latinLnBrk="0" hangingPunct="1">
+      <a:defRPr sz="1200" kern="1200">
+        <a:solidFill>
+          <a:schemeClr val="tx1"/>
+        </a:solidFill>
+        <a:latin typeface="+mn-lt"/>
+        <a:ea typeface="+mn-ea"/>
+        <a:cs typeface="+mn-cs"/>
+      </a:defRPr>
+    </a:lvl1pPr>
+    <a:lvl2pPr marL="457200" algn="l" defTabSz="914400" rtl="0" eaLnBrk="1" latinLnBrk="0" hangingPunct="1">
+      <a:defRPr sz="1200" kern="1200">
+        <a:solidFill>
+          <a:schemeClr val="tx1"/>
+        </a:solidFill>
+        <a:latin typeface="+mn-lt"/>
+        <a:ea typeface="+mn-ea"/>
+        <a:cs typeface="+mn-cs"/>
+      </a:defRPr>
+    </a:lvl2pPr>
+    <a:lvl3pPr marL="914400" algn="l" defTabSz="914400" rtl="0" eaLnBrk="1" latinLnBrk="0" hangingPunct="1">
+      <a:defRPr sz="1200" kern="1200">
+        <a:solidFill>
+          <a:schemeClr val="tx1"/>
+        </a:solidFill>
+        <a:latin typeface="+mn-lt"/>
+        <a:ea typeface="+mn-ea"/>
+        <a:cs typeface="+mn-cs"/>
+      </a:defRPr>
+    </a:lvl3pPr>
+    <a:lvl4pPr marL="1371600" algn="l" defTabSz="914400" rtl="0" eaLnBrk="1" latinLnBrk="0" hangingPunct="1">
+      <a:defRPr sz="1200" kern="1200">
+        <a:solidFill>
+          <a:schemeClr val="tx1"/>
+        </a:solidFill>
+        <a:latin typeface="+mn-lt"/>
+        <a:ea typeface="+mn-ea"/>
+        <a:cs typeface="+mn-cs"/>
+      </a:defRPr>
+    </a:lvl4pPr>
+    <a:lvl5pPr marL="1828800" algn="l" defTabSz="914400" rtl="0" eaLnBrk="1" latinLnBrk="0" hangingPunct="1">
+      <a:defRPr sz="1200" kern="1200">
+        <a:solidFill>
+          <a:schemeClr val="tx1"/>
+        </a:solidFill>
+        <a:latin typeface="+mn-lt"/>
+        <a:ea typeface="+mn-ea"/>
+        <a:cs typeface="+mn-cs"/>
+      </a:defRPr>
+    </a:lvl5pPr>
+    <a:lvl6pPr marL="2286000" algn="l" defTabSz="914400" rtl="0" eaLnBrk="1" latinLnBrk="0" hangingPunct="1">
+      <a:defRPr sz="1200" kern="1200">
+        <a:solidFill>
+          <a:schemeClr val="tx1"/>
+        </a:solidFill>
+        <a:latin typeface="+mn-lt"/>
+        <a:ea typeface="+mn-ea"/>
+        <a:cs typeface="+mn-cs"/>
+      </a:defRPr>
+    </a:lvl6pPr>
+    <a:lvl7pPr marL="2743200" algn="l" defTabSz="914400" rtl="0" eaLnBrk="1" latinLnBrk="0" hangingPunct="1">
+      <a:defRPr sz="1200" kern="1200">
+        <a:solidFill>
+          <a:schemeClr val="tx1"/>
+        </a:solidFill>
+        <a:latin typeface="+mn-lt"/>
+        <a:ea typeface="+mn-ea"/>
+        <a:cs typeface="+mn-cs"/>
+      </a:defRPr>
+    </a:lvl7pPr>
+    <a:lvl8pPr marL="3200400" algn="l" defTabSz="914400" rtl="0" eaLnBrk="1" latinLnBrk="0" hangingPunct="1">
+      <a:defRPr sz="1200" kern="1200">
+        <a:solidFill>
+          <a:schemeClr val="tx1"/>
+        </a:solidFill>
+        <a:latin typeface="+mn-lt"/>
+        <a:ea typeface="+mn-ea"/>
+        <a:cs typeface="+mn-cs"/>
+      </a:defRPr>
+    </a:lvl8pPr>
+    <a:lvl9pPr marL="3657600" algn="l" defTabSz="914400" rtl="0" eaLnBrk="1" latinLnBrk="0" hangingPunct="1">
+      <a:defRPr sz="1200" kern="1200">
+        <a:solidFill>
+          <a:schemeClr val="tx1"/>
+        </a:solidFill>
+        <a:latin typeface="+mn-lt"/>
+        <a:ea typeface="+mn-ea"/>
+        <a:cs typeface="+mn-cs"/>
+      </a:defRPr>
+    </a:lvl9pPr>
+  </p:notesStyle>
+</p:notesMaster>
+</file>
+
+<file path=ppt/notesSlides/notesSlide1.xml><?xml version="1.0" encoding="utf-8"?>
+<p:notes xmlns:a="http://schemas.openxmlformats.org/drawingml/2006/main" xmlns:r="http://schemas.openxmlformats.org/officeDocument/2006/relationships" xmlns:p="http://schemas.openxmlformats.org/presentationml/2006/main">
+  <p:cSld>
+    <p:spTree>
+      <p:nvGrpSpPr>
+        <p:cNvPr id="1" name=""/>
+        <p:cNvGrpSpPr/>
+        <p:nvPr/>
+      </p:nvGrpSpPr>
+      <p:grpSpPr>
+        <a:xfrm>
+          <a:off x="0" y="0"/>
+          <a:ext cx="0" cy="0"/>
+          <a:chOff x="0" y="0"/>
+          <a:chExt cx="0" cy="0"/>
+        </a:xfrm>
+      </p:grpSpPr>
+      <p:sp>
+        <p:nvSpPr>
+          <p:cNvPr id="2" name="Slide Image Placeholder 1"/>
+          <p:cNvSpPr>
+            <a:spLocks noGrp="1" noRot="1" noChangeAspect="1"/>
+          </p:cNvSpPr>
+          <p:nvPr>
+            <p:ph type="sldImg"/>
+          </p:nvPr>
+        </p:nvSpPr>
+        <p:spPr/>
+      </p:sp>
+      <p:sp>
+        <p:nvSpPr>
+          <p:cNvPr id="3" name="Notes Placeholder 2"/>
+          <p:cNvSpPr>
+            <a:spLocks noGrp="1"/>
+          </p:cNvSpPr>
+          <p:nvPr>
+            <p:ph type="body" idx="1"/>
+          </p:nvPr>
+        </p:nvSpPr>
+        <p:spPr/>
+        <p:txBody>
+          <a:bodyPr/>
+          <a:lstStyle/>
+          <a:p>
+            <a:endParaRPr lang="en-US" dirty="0"/>
+          </a:p>
+        </p:txBody>
+      </p:sp>
+      <p:sp>
+        <p:nvSpPr>
+          <p:cNvPr id="4" name="Slide Number Placeholder 3"/>
+          <p:cNvSpPr>
+            <a:spLocks noGrp="1"/>
+          </p:cNvSpPr>
+          <p:nvPr>
+            <p:ph type="sldNum" sz="quarter" idx="10"/>
+          </p:nvPr>
+        </p:nvSpPr>
+        <p:spPr/>
+        <p:txBody>
+          <a:bodyPr/>
+          <a:lstStyle/>
+          <a:p>
+            <a:fld id="{1868D238-C392-E84F-ABDD-4B2D353F64ED}" type="slidenum">
+              <a:rPr lang="en-US" smtClean="0"/>
+              <a:t>2</a:t>
+            </a:fld>
+            <a:endParaRPr lang="en-US"/>
+          </a:p>
+        </p:txBody>
+      </p:sp>
+    </p:spTree>
+    <p:extLst>
+      <p:ext uri="{BB962C8B-B14F-4D97-AF65-F5344CB8AC3E}">
+        <p14:creationId xmlns:p14="http://schemas.microsoft.com/office/powerpoint/2010/main" val="593209441"/>
+      </p:ext>
+    </p:extLst>
+  </p:cSld>
+  <p:clrMapOvr>
+    <a:masterClrMapping/>
+  </p:clrMapOvr>
+</p:notes>
+</file>
+
+<file path=ppt/notesSlides/notesSlide2.xml><?xml version="1.0" encoding="utf-8"?>
+<p:notes xmlns:a="http://schemas.openxmlformats.org/drawingml/2006/main" xmlns:r="http://schemas.openxmlformats.org/officeDocument/2006/relationships" xmlns:p="http://schemas.openxmlformats.org/presentationml/2006/main">
+  <p:cSld>
+    <p:spTree>
+      <p:nvGrpSpPr>
+        <p:cNvPr id="1" name=""/>
+        <p:cNvGrpSpPr/>
+        <p:nvPr/>
+      </p:nvGrpSpPr>
+      <p:grpSpPr>
+        <a:xfrm>
+          <a:off x="0" y="0"/>
+          <a:ext cx="0" cy="0"/>
+          <a:chOff x="0" y="0"/>
+          <a:chExt cx="0" cy="0"/>
+        </a:xfrm>
+      </p:grpSpPr>
+      <p:sp>
+        <p:nvSpPr>
+          <p:cNvPr id="2" name="Slide Image Placeholder 1"/>
+          <p:cNvSpPr>
+            <a:spLocks noGrp="1" noRot="1" noChangeAspect="1"/>
+          </p:cNvSpPr>
+          <p:nvPr>
+            <p:ph type="sldImg"/>
+          </p:nvPr>
+        </p:nvSpPr>
+        <p:spPr/>
+      </p:sp>
+      <p:sp>
+        <p:nvSpPr>
+          <p:cNvPr id="3" name="Notes Placeholder 2"/>
+          <p:cNvSpPr>
+            <a:spLocks noGrp="1"/>
+          </p:cNvSpPr>
+          <p:nvPr>
+            <p:ph type="body" idx="1"/>
+          </p:nvPr>
+        </p:nvSpPr>
+        <p:spPr/>
+        <p:txBody>
+          <a:bodyPr/>
+          <a:lstStyle/>
+          <a:p>
+            <a:endParaRPr lang="en-US" dirty="0"/>
+          </a:p>
+        </p:txBody>
+      </p:sp>
+      <p:sp>
+        <p:nvSpPr>
+          <p:cNvPr id="4" name="Slide Number Placeholder 3"/>
+          <p:cNvSpPr>
+            <a:spLocks noGrp="1"/>
+          </p:cNvSpPr>
+          <p:nvPr>
+            <p:ph type="sldNum" sz="quarter" idx="10"/>
+          </p:nvPr>
+        </p:nvSpPr>
+        <p:spPr/>
+        <p:txBody>
+          <a:bodyPr/>
+          <a:lstStyle/>
+          <a:p>
+            <a:fld id="{1868D238-C392-E84F-ABDD-4B2D353F64ED}" type="slidenum">
+              <a:rPr lang="en-US" smtClean="0"/>
+              <a:t>7</a:t>
+            </a:fld>
+            <a:endParaRPr lang="en-US"/>
+          </a:p>
+        </p:txBody>
+      </p:sp>
+    </p:spTree>
+    <p:extLst>
+      <p:ext uri="{BB962C8B-B14F-4D97-AF65-F5344CB8AC3E}">
+        <p14:creationId xmlns:p14="http://schemas.microsoft.com/office/powerpoint/2010/main" val="552473416"/>
+      </p:ext>
+    </p:extLst>
+  </p:cSld>
+  <p:clrMapOvr>
+    <a:masterClrMapping/>
+  </p:clrMapOvr>
+</p:notes>
+</file>
+
 <file path=ppt/slideLayouts/slideLayout1.xml><?xml version="1.0" encoding="utf-8"?>
 <p:sldLayout xmlns:a="http://schemas.openxmlformats.org/drawingml/2006/main" xmlns:r="http://schemas.openxmlformats.org/officeDocument/2006/relationships" xmlns:p="http://schemas.openxmlformats.org/presentationml/2006/main" type="title" preserve="1">
   <p:cSld name="Title Slide">
@@ -250,7 +771,7 @@
           <a:p>
             <a:fld id="{046725C7-44C1-2E4C-8344-32965D745DFE}" type="datetimeFigureOut">
               <a:rPr lang="en-US" smtClean="0"/>
-              <a:t>6/25/15</a:t>
+              <a:t>7/1/15</a:t>
             </a:fld>
             <a:endParaRPr lang="en-US"/>
           </a:p>
@@ -420,7 +941,7 @@
           <a:p>
             <a:fld id="{046725C7-44C1-2E4C-8344-32965D745DFE}" type="datetimeFigureOut">
               <a:rPr lang="en-US" smtClean="0"/>
-              <a:t>6/25/15</a:t>
+              <a:t>7/1/15</a:t>
             </a:fld>
             <a:endParaRPr lang="en-US"/>
           </a:p>
@@ -600,7 +1121,7 @@
           <a:p>
             <a:fld id="{046725C7-44C1-2E4C-8344-32965D745DFE}" type="datetimeFigureOut">
               <a:rPr lang="en-US" smtClean="0"/>
-              <a:t>6/25/15</a:t>
+              <a:t>7/1/15</a:t>
             </a:fld>
             <a:endParaRPr lang="en-US"/>
           </a:p>
@@ -770,7 +1291,7 @@
           <a:p>
             <a:fld id="{046725C7-44C1-2E4C-8344-32965D745DFE}" type="datetimeFigureOut">
               <a:rPr lang="en-US" smtClean="0"/>
-              <a:t>6/25/15</a:t>
+              <a:t>7/1/15</a:t>
             </a:fld>
             <a:endParaRPr lang="en-US"/>
           </a:p>
@@ -1016,7 +1537,7 @@
           <a:p>
             <a:fld id="{046725C7-44C1-2E4C-8344-32965D745DFE}" type="datetimeFigureOut">
               <a:rPr lang="en-US" smtClean="0"/>
-              <a:t>6/25/15</a:t>
+              <a:t>7/1/15</a:t>
             </a:fld>
             <a:endParaRPr lang="en-US"/>
           </a:p>
@@ -1248,7 +1769,7 @@
           <a:p>
             <a:fld id="{046725C7-44C1-2E4C-8344-32965D745DFE}" type="datetimeFigureOut">
               <a:rPr lang="en-US" smtClean="0"/>
-              <a:t>6/25/15</a:t>
+              <a:t>7/1/15</a:t>
             </a:fld>
             <a:endParaRPr lang="en-US"/>
           </a:p>
@@ -1615,7 +2136,7 @@
           <a:p>
             <a:fld id="{046725C7-44C1-2E4C-8344-32965D745DFE}" type="datetimeFigureOut">
               <a:rPr lang="en-US" smtClean="0"/>
-              <a:t>6/25/15</a:t>
+              <a:t>7/1/15</a:t>
             </a:fld>
             <a:endParaRPr lang="en-US"/>
           </a:p>
@@ -1733,7 +2254,7 @@
           <a:p>
             <a:fld id="{046725C7-44C1-2E4C-8344-32965D745DFE}" type="datetimeFigureOut">
               <a:rPr lang="en-US" smtClean="0"/>
-              <a:t>6/25/15</a:t>
+              <a:t>7/1/15</a:t>
             </a:fld>
             <a:endParaRPr lang="en-US"/>
           </a:p>
@@ -1828,7 +2349,7 @@
           <a:p>
             <a:fld id="{046725C7-44C1-2E4C-8344-32965D745DFE}" type="datetimeFigureOut">
               <a:rPr lang="en-US" smtClean="0"/>
-              <a:t>6/25/15</a:t>
+              <a:t>7/1/15</a:t>
             </a:fld>
             <a:endParaRPr lang="en-US"/>
           </a:p>
@@ -2105,7 +2626,7 @@
           <a:p>
             <a:fld id="{046725C7-44C1-2E4C-8344-32965D745DFE}" type="datetimeFigureOut">
               <a:rPr lang="en-US" smtClean="0"/>
-              <a:t>6/25/15</a:t>
+              <a:t>7/1/15</a:t>
             </a:fld>
             <a:endParaRPr lang="en-US"/>
           </a:p>
@@ -2358,7 +2879,7 @@
           <a:p>
             <a:fld id="{046725C7-44C1-2E4C-8344-32965D745DFE}" type="datetimeFigureOut">
               <a:rPr lang="en-US" smtClean="0"/>
-              <a:t>6/25/15</a:t>
+              <a:t>7/1/15</a:t>
             </a:fld>
             <a:endParaRPr lang="en-US"/>
           </a:p>
@@ -2571,7 +3092,7 @@
           <a:p>
             <a:fld id="{046725C7-44C1-2E4C-8344-32965D745DFE}" type="datetimeFigureOut">
               <a:rPr lang="en-US" smtClean="0"/>
-              <a:t>6/25/15</a:t>
+              <a:t>7/1/15</a:t>
             </a:fld>
             <a:endParaRPr lang="en-US"/>
           </a:p>
@@ -3015,17 +3536,10 @@
           <a:lstStyle/>
           <a:p>
             <a:r>
-              <a:rPr lang="en-US" dirty="0"/>
-              <a:t>end-to-end </a:t>
-            </a:r>
-            <a:r>
               <a:rPr lang="en-US" dirty="0" smtClean="0"/>
-              <a:t>pipeline </a:t>
-            </a:r>
-            <a:r>
-              <a:rPr lang="en-US" dirty="0"/>
-              <a:t>for the bitcoin analytics</a:t>
-            </a:r>
+              <a:t>search and analytics in the blockchain</a:t>
+            </a:r>
+            <a:endParaRPr lang="en-US" dirty="0"/>
           </a:p>
         </p:txBody>
       </p:sp>
@@ -3059,6 +3573,84 @@
           </a:prstGeom>
         </p:spPr>
       </p:pic>
+      <p:pic>
+        <p:nvPicPr>
+          <p:cNvPr id="5" name="Picture 4"/>
+          <p:cNvPicPr>
+            <a:picLocks noChangeAspect="1"/>
+          </p:cNvPicPr>
+          <p:nvPr/>
+        </p:nvPicPr>
+        <p:blipFill>
+          <a:blip r:embed="rId3">
+            <a:extLst>
+              <a:ext uri="{28A0092B-C50C-407E-A947-70E740481C1C}">
+                <a14:useLocalDpi xmlns:a14="http://schemas.microsoft.com/office/drawing/2010/main" val="0"/>
+              </a:ext>
+            </a:extLst>
+          </a:blip>
+          <a:stretch>
+            <a:fillRect/>
+          </a:stretch>
+        </p:blipFill>
+        <p:spPr>
+          <a:xfrm>
+            <a:off x="5211969" y="548101"/>
+            <a:ext cx="1768062" cy="1768062"/>
+          </a:xfrm>
+          <a:prstGeom prst="rect">
+            <a:avLst/>
+          </a:prstGeom>
+        </p:spPr>
+      </p:pic>
+      <p:sp>
+        <p:nvSpPr>
+          <p:cNvPr id="6" name="Rectangle 5"/>
+          <p:cNvSpPr/>
+          <p:nvPr/>
+        </p:nvSpPr>
+        <p:spPr>
+          <a:xfrm>
+            <a:off x="5211969" y="2052084"/>
+            <a:ext cx="976180" cy="264079"/>
+          </a:xfrm>
+          <a:prstGeom prst="rect">
+            <a:avLst/>
+          </a:prstGeom>
+          <a:solidFill>
+            <a:schemeClr val="bg1"/>
+          </a:solidFill>
+          <a:ln>
+            <a:solidFill>
+              <a:schemeClr val="bg1"/>
+            </a:solidFill>
+          </a:ln>
+        </p:spPr>
+        <p:style>
+          <a:lnRef idx="2">
+            <a:schemeClr val="accent1">
+              <a:shade val="50000"/>
+            </a:schemeClr>
+          </a:lnRef>
+          <a:fillRef idx="1">
+            <a:schemeClr val="accent1"/>
+          </a:fillRef>
+          <a:effectRef idx="0">
+            <a:schemeClr val="accent1"/>
+          </a:effectRef>
+          <a:fontRef idx="minor">
+            <a:schemeClr val="lt1"/>
+          </a:fontRef>
+        </p:style>
+        <p:txBody>
+          <a:bodyPr rtlCol="0" anchor="ctr"/>
+          <a:lstStyle/>
+          <a:p>
+            <a:pPr algn="ctr"/>
+            <a:endParaRPr lang="en-US"/>
+          </a:p>
+        </p:txBody>
+      </p:sp>
     </p:spTree>
     <p:extLst>
       <p:ext uri="{BB962C8B-B14F-4D97-AF65-F5344CB8AC3E}">
@@ -3121,7 +3713,7 @@
       </p:sp>
       <p:pic>
         <p:nvPicPr>
-          <p:cNvPr id="4" name="Content Placeholder 3"/>
+          <p:cNvPr id="10" name="Content Placeholder 9"/>
           <p:cNvPicPr>
             <a:picLocks noGrp="1" noChangeAspect="1"/>
           </p:cNvPicPr>
@@ -3130,7 +3722,7 @@
           </p:nvPr>
         </p:nvPicPr>
         <p:blipFill>
-          <a:blip r:embed="rId2">
+          <a:blip r:embed="rId3">
             <a:extLst>
               <a:ext uri="{28A0092B-C50C-407E-A947-70E740481C1C}">
                 <a14:useLocalDpi xmlns:a14="http://schemas.microsoft.com/office/drawing/2010/main" val="0"/>
@@ -3143,12 +3735,9 @@
         </p:blipFill>
         <p:spPr>
           <a:xfrm>
-            <a:off x="838200" y="2029619"/>
-            <a:ext cx="10515600" cy="3943350"/>
+            <a:off x="1371711" y="2381694"/>
+            <a:ext cx="9448577" cy="2864644"/>
           </a:xfrm>
-          <a:prstGeom prst="rect">
-            <a:avLst/>
-          </a:prstGeom>
         </p:spPr>
       </p:pic>
     </p:spTree>
@@ -3204,12 +3793,16 @@
           <a:lstStyle/>
           <a:p>
             <a:r>
-              <a:rPr lang="en-US" dirty="0" err="1" smtClean="0"/>
+              <a:rPr lang="en-US" dirty="0" smtClean="0"/>
               <a:t>Blockchain</a:t>
             </a:r>
             <a:r>
+              <a:rPr lang="en-US" dirty="0"/>
+              <a:t> </a:t>
+            </a:r>
+            <a:r>
               <a:rPr lang="en-US" dirty="0" smtClean="0"/>
-              <a:t> in Nutshell 1</a:t>
+              <a:t>Data 1</a:t>
             </a:r>
             <a:endParaRPr lang="en-US" dirty="0"/>
           </a:p>
@@ -3297,12 +3890,8 @@
           <a:lstStyle/>
           <a:p>
             <a:r>
-              <a:rPr lang="en-US" dirty="0" err="1" smtClean="0"/>
-              <a:t>Blockchain</a:t>
-            </a:r>
-            <a:r>
               <a:rPr lang="en-US" dirty="0" smtClean="0"/>
-              <a:t> in Nutshell 2</a:t>
+              <a:t>Blockchain Data 2</a:t>
             </a:r>
             <a:endParaRPr lang="en-US" dirty="0"/>
           </a:p>
@@ -3840,12 +4429,8 @@
           <a:lstStyle/>
           <a:p>
             <a:r>
-              <a:rPr lang="en-US" dirty="0" err="1" smtClean="0"/>
-              <a:t>Blockchain</a:t>
-            </a:r>
-            <a:r>
               <a:rPr lang="en-US" dirty="0" smtClean="0"/>
-              <a:t> in Nutshell 3</a:t>
+              <a:t>Blockchain 3</a:t>
             </a:r>
             <a:endParaRPr lang="en-US" dirty="0"/>
           </a:p>
@@ -4392,23 +4977,7 @@
           <a:p>
             <a:r>
               <a:rPr lang="en-US" dirty="0" smtClean="0"/>
-              <a:t>3</a:t>
-            </a:r>
-            <a:r>
-              <a:rPr lang="en-US" baseline="30000" dirty="0" smtClean="0"/>
-              <a:t>rd</a:t>
-            </a:r>
-            <a:r>
-              <a:rPr lang="en-US" dirty="0" smtClean="0"/>
-              <a:t> party </a:t>
-            </a:r>
-            <a:r>
-              <a:rPr lang="en-US" dirty="0" err="1" smtClean="0"/>
-              <a:t>BitcoinD</a:t>
-            </a:r>
-            <a:r>
-              <a:rPr lang="en-US" dirty="0" smtClean="0"/>
-              <a:t> node</a:t>
+              <a:t>Data Platform</a:t>
             </a:r>
             <a:endParaRPr lang="en-US" dirty="0"/>
           </a:p>
@@ -5094,7 +5663,7 @@
           <p:nvPr/>
         </p:nvSpPr>
         <p:spPr>
-          <a:xfrm>
+          <a:xfrm rot="10800000">
             <a:off x="1247310" y="2816770"/>
             <a:ext cx="283486" cy="601758"/>
           </a:xfrm>
@@ -5161,46 +5730,6 @@
           </a:prstGeom>
         </p:spPr>
       </p:pic>
-      <p:sp>
-        <p:nvSpPr>
-          <p:cNvPr id="10" name="Up-Down Arrow 9"/>
-          <p:cNvSpPr/>
-          <p:nvPr/>
-        </p:nvSpPr>
-        <p:spPr>
-          <a:xfrm flipH="1">
-            <a:off x="8631328" y="4170990"/>
-            <a:ext cx="274048" cy="638077"/>
-          </a:xfrm>
-          <a:prstGeom prst="upDownArrow">
-            <a:avLst/>
-          </a:prstGeom>
-        </p:spPr>
-        <p:style>
-          <a:lnRef idx="2">
-            <a:schemeClr val="accent1">
-              <a:shade val="50000"/>
-            </a:schemeClr>
-          </a:lnRef>
-          <a:fillRef idx="1">
-            <a:schemeClr val="accent1"/>
-          </a:fillRef>
-          <a:effectRef idx="0">
-            <a:schemeClr val="accent1"/>
-          </a:effectRef>
-          <a:fontRef idx="minor">
-            <a:schemeClr val="lt1"/>
-          </a:fontRef>
-        </p:style>
-        <p:txBody>
-          <a:bodyPr rtlCol="0" anchor="ctr"/>
-          <a:lstStyle/>
-          <a:p>
-            <a:pPr algn="ctr"/>
-            <a:endParaRPr lang="en-US"/>
-          </a:p>
-        </p:txBody>
-      </p:sp>
       <p:sp>
         <p:nvSpPr>
           <p:cNvPr id="14" name="Down Arrow 13"/>
@@ -5365,7 +5894,7 @@
               <a:avLst/>
             </a:prstGeom>
             <a:blipFill>
-              <a:blip r:embed="rId2"/>
+              <a:blip r:embed="rId3"/>
               <a:tile tx="0" ty="0" sx="100000" sy="100000" flip="none" algn="tl"/>
             </a:blipFill>
           </p:spPr>
@@ -5412,7 +5941,7 @@
               <a:chExt cx="3048393" cy="2504824"/>
             </a:xfrm>
             <a:blipFill>
-              <a:blip r:embed="rId2"/>
+              <a:blip r:embed="rId3"/>
               <a:tile tx="0" ty="0" sx="100000" sy="100000" flip="none" algn="tl"/>
             </a:blipFill>
           </p:grpSpPr>
@@ -5470,7 +5999,7 @@
               <p:nvPr/>
             </p:nvPicPr>
             <p:blipFill>
-              <a:blip r:embed="rId3">
+              <a:blip r:embed="rId4">
                 <a:extLst>
                   <a:ext uri="{28A0092B-C50C-407E-A947-70E740481C1C}">
                     <a14:useLocalDpi xmlns:a14="http://schemas.microsoft.com/office/drawing/2010/main" val="0"/>
@@ -5501,7 +6030,7 @@
               <p:nvPr/>
             </p:nvPicPr>
             <p:blipFill>
-              <a:blip r:embed="rId4">
+              <a:blip r:embed="rId5">
                 <a:extLst>
                   <a:ext uri="{28A0092B-C50C-407E-A947-70E740481C1C}">
                     <a14:useLocalDpi xmlns:a14="http://schemas.microsoft.com/office/drawing/2010/main" val="0"/>
@@ -5553,7 +6082,7 @@
                 <a:avLst/>
               </a:prstGeom>
               <a:blipFill>
-                <a:blip r:embed="rId2"/>
+                <a:blip r:embed="rId3"/>
                 <a:tile tx="0" ty="0" sx="100000" sy="100000" flip="none" algn="tl"/>
               </a:blipFill>
             </p:spPr>
@@ -5595,7 +6124,7 @@
               <p:nvPr/>
             </p:nvPicPr>
             <p:blipFill>
-              <a:blip r:embed="rId5">
+              <a:blip r:embed="rId6">
                 <a:extLst>
                   <a:ext uri="{28A0092B-C50C-407E-A947-70E740481C1C}">
                     <a14:useLocalDpi xmlns:a14="http://schemas.microsoft.com/office/drawing/2010/main" val="0"/>
@@ -5726,7 +6255,7 @@
                 <a:avLst/>
               </a:prstGeom>
               <a:blipFill>
-                <a:blip r:embed="rId2"/>
+                <a:blip r:embed="rId3"/>
                 <a:tile tx="0" ty="0" sx="100000" sy="100000" flip="none" algn="tl"/>
               </a:blipFill>
             </p:spPr>
@@ -5768,7 +6297,7 @@
               <p:nvPr/>
             </p:nvPicPr>
             <p:blipFill>
-              <a:blip r:embed="rId6">
+              <a:blip r:embed="rId7">
                 <a:extLst>
                   <a:ext uri="{28A0092B-C50C-407E-A947-70E740481C1C}">
                     <a14:useLocalDpi xmlns:a14="http://schemas.microsoft.com/office/drawing/2010/main" val="0"/>
@@ -5805,7 +6334,7 @@
               <a:avLst/>
             </a:prstGeom>
             <a:blipFill>
-              <a:blip r:embed="rId7"/>
+              <a:blip r:embed="rId8"/>
               <a:tile tx="0" ty="0" sx="100000" sy="100000" flip="none" algn="tl"/>
             </a:blipFill>
           </p:spPr>
@@ -5862,7 +6391,7 @@
             <p:nvPr/>
           </p:nvPicPr>
           <p:blipFill>
-            <a:blip r:embed="rId8">
+            <a:blip r:embed="rId9">
               <a:extLst>
                 <a:ext uri="{28A0092B-C50C-407E-A947-70E740481C1C}">
                   <a14:useLocalDpi xmlns:a14="http://schemas.microsoft.com/office/drawing/2010/main" val="0"/>
@@ -5921,7 +6450,7 @@
           <p:nvPr/>
         </p:nvSpPr>
         <p:spPr>
-          <a:xfrm>
+          <a:xfrm rot="10800000">
             <a:off x="1247310" y="2816770"/>
             <a:ext cx="283486" cy="601758"/>
           </a:xfrm>
@@ -5967,7 +6496,7 @@
           <p:nvPr/>
         </p:nvPicPr>
         <p:blipFill>
-          <a:blip r:embed="rId9">
+          <a:blip r:embed="rId10">
             <a:extLst>
               <a:ext uri="{28A0092B-C50C-407E-A947-70E740481C1C}">
                 <a14:useLocalDpi xmlns:a14="http://schemas.microsoft.com/office/drawing/2010/main" val="0"/>
@@ -5988,46 +6517,6 @@
           </a:prstGeom>
         </p:spPr>
       </p:pic>
-      <p:sp>
-        <p:nvSpPr>
-          <p:cNvPr id="10" name="Up-Down Arrow 9"/>
-          <p:cNvSpPr/>
-          <p:nvPr/>
-        </p:nvSpPr>
-        <p:spPr>
-          <a:xfrm flipH="1">
-            <a:off x="8631328" y="4170990"/>
-            <a:ext cx="274048" cy="638077"/>
-          </a:xfrm>
-          <a:prstGeom prst="upDownArrow">
-            <a:avLst/>
-          </a:prstGeom>
-        </p:spPr>
-        <p:style>
-          <a:lnRef idx="2">
-            <a:schemeClr val="accent1">
-              <a:shade val="50000"/>
-            </a:schemeClr>
-          </a:lnRef>
-          <a:fillRef idx="1">
-            <a:schemeClr val="accent1"/>
-          </a:fillRef>
-          <a:effectRef idx="0">
-            <a:schemeClr val="accent1"/>
-          </a:effectRef>
-          <a:fontRef idx="minor">
-            <a:schemeClr val="lt1"/>
-          </a:fontRef>
-        </p:style>
-        <p:txBody>
-          <a:bodyPr rtlCol="0" anchor="ctr"/>
-          <a:lstStyle/>
-          <a:p>
-            <a:pPr algn="ctr"/>
-            <a:endParaRPr lang="en-US"/>
-          </a:p>
-        </p:txBody>
-      </p:sp>
       <p:sp>
         <p:nvSpPr>
           <p:cNvPr id="14" name="Down Arrow 13"/>
@@ -6077,7 +6566,7 @@
           <p:nvPr/>
         </p:nvPicPr>
         <p:blipFill>
-          <a:blip r:embed="rId10">
+          <a:blip r:embed="rId11">
             <a:extLst>
               <a:ext uri="{28A0092B-C50C-407E-A947-70E740481C1C}">
                 <a14:useLocalDpi xmlns:a14="http://schemas.microsoft.com/office/drawing/2010/main" val="0"/>
@@ -6353,7 +6842,7 @@
           <p:nvPr/>
         </p:nvPicPr>
         <p:blipFill>
-          <a:blip r:embed="rId11">
+          <a:blip r:embed="rId12">
             <a:extLst>
               <a:ext uri="{28A0092B-C50C-407E-A947-70E740481C1C}">
                 <a14:useLocalDpi xmlns:a14="http://schemas.microsoft.com/office/drawing/2010/main" val="0"/>
@@ -6456,7 +6945,7 @@
         </p:spPr>
         <p:txBody>
           <a:bodyPr>
-            <a:normAutofit lnSpcReduction="10000"/>
+            <a:normAutofit fontScale="92500" lnSpcReduction="10000"/>
           </a:bodyPr>
           <a:lstStyle/>
           <a:p>
@@ -6468,19 +6957,105 @@
           <a:p>
             <a:r>
               <a:rPr lang="en-US" dirty="0" smtClean="0"/>
+              <a:t>CTO @mobile ads startup</a:t>
+            </a:r>
+          </a:p>
+          <a:p>
+            <a:r>
+              <a:rPr lang="en-US" dirty="0" smtClean="0"/>
               <a:t>Hobby:  </a:t>
             </a:r>
+          </a:p>
+          <a:p>
+            <a:pPr lvl="1"/>
             <a:r>
               <a:rPr lang="en-US" dirty="0" err="1" smtClean="0"/>
               <a:t>Hackathons</a:t>
             </a:r>
+            <a:endParaRPr lang="en-US" dirty="0" smtClean="0"/>
+          </a:p>
+          <a:p>
+            <a:pPr lvl="1"/>
+            <a:r>
+              <a:rPr lang="en-US" dirty="0" smtClean="0"/>
+              <a:t>MOOC</a:t>
+            </a:r>
+          </a:p>
+          <a:p>
+            <a:pPr lvl="1"/>
+            <a:r>
+              <a:rPr lang="en-US" dirty="0" smtClean="0"/>
+              <a:t>Blood Donation </a:t>
+            </a:r>
+          </a:p>
+          <a:p>
+            <a:pPr marL="457200" lvl="1" indent="0">
+              <a:buNone/>
+            </a:pPr>
+            <a:endParaRPr lang="en-US" dirty="0" smtClean="0"/>
+          </a:p>
+          <a:p>
+            <a:pPr marL="457200" lvl="1" indent="0">
+              <a:buNone/>
+            </a:pPr>
             <a:endParaRPr lang="en-US" dirty="0" smtClean="0"/>
           </a:p>
           <a:p>
             <a:pPr marL="0" indent="0">
               <a:buNone/>
             </a:pPr>
-            <a:endParaRPr lang="en-US" dirty="0" smtClean="0"/>
+            <a:r>
+              <a:rPr lang="en-US" sz="2400" dirty="0" smtClean="0"/>
+              <a:t>@</a:t>
+            </a:r>
+            <a:r>
+              <a:rPr lang="en-US" sz="2400" dirty="0" err="1" smtClean="0"/>
+              <a:t>barinov</a:t>
+            </a:r>
+            <a:endParaRPr lang="en-US" sz="2400" dirty="0" smtClean="0"/>
+          </a:p>
+          <a:p>
+            <a:pPr marL="0" indent="0">
+              <a:buNone/>
+            </a:pPr>
+            <a:r>
+              <a:rPr lang="en-US" sz="2400" dirty="0" smtClean="0"/>
+              <a:t>http://</a:t>
+            </a:r>
+            <a:r>
+              <a:rPr lang="en-US" sz="2400" dirty="0" err="1" smtClean="0"/>
+              <a:t>www.linkedin.com</a:t>
+            </a:r>
+            <a:r>
+              <a:rPr lang="en-US" sz="2400" dirty="0" smtClean="0"/>
+              <a:t>/in/</a:t>
+            </a:r>
+            <a:r>
+              <a:rPr lang="en-US" sz="2400" dirty="0" err="1" smtClean="0"/>
+              <a:t>igorbarinov</a:t>
+            </a:r>
+            <a:r>
+              <a:rPr lang="en-US" sz="2400" dirty="0"/>
+              <a:t>/</a:t>
+            </a:r>
+          </a:p>
+          <a:p>
+            <a:pPr marL="0" indent="0">
+              <a:buNone/>
+            </a:pPr>
+            <a:r>
+              <a:rPr lang="en-US" sz="2400" dirty="0">
+                <a:hlinkClick r:id="rId2"/>
+              </a:rPr>
+              <a:t>https://github.com/igorbarinov</a:t>
+            </a:r>
+            <a:r>
+              <a:rPr lang="en-US" sz="2400" dirty="0" smtClean="0">
+                <a:hlinkClick r:id="rId2"/>
+              </a:rPr>
+              <a:t>/</a:t>
+            </a:r>
+            <a:endParaRPr lang="en-US" sz="2400" dirty="0" smtClean="0"/>
           </a:p>
           <a:p>
             <a:pPr marL="0" indent="0">
@@ -6488,86 +7063,11 @@
             </a:pPr>
             <a:endParaRPr lang="en-US" dirty="0"/>
           </a:p>
-          <a:p>
-            <a:pPr marL="0" indent="0">
-              <a:buNone/>
-            </a:pPr>
-            <a:endParaRPr lang="en-US" dirty="0" smtClean="0"/>
-          </a:p>
-          <a:p>
-            <a:pPr marL="0" indent="0">
-              <a:buNone/>
-            </a:pPr>
-            <a:endParaRPr lang="en-US" dirty="0" smtClean="0"/>
-          </a:p>
-          <a:p>
-            <a:pPr marL="0" indent="0">
-              <a:buNone/>
-            </a:pPr>
-            <a:r>
-              <a:rPr lang="en-US" sz="2400" dirty="0" smtClean="0"/>
-              <a:t>@</a:t>
-            </a:r>
-            <a:r>
-              <a:rPr lang="en-US" sz="2400" dirty="0" err="1" smtClean="0"/>
-              <a:t>barinov</a:t>
-            </a:r>
-            <a:endParaRPr lang="en-US" sz="2400" dirty="0" smtClean="0"/>
-          </a:p>
-          <a:p>
-            <a:pPr marL="0" indent="0">
-              <a:buNone/>
-            </a:pPr>
-            <a:r>
-              <a:rPr lang="en-US" sz="2400" dirty="0" smtClean="0"/>
-              <a:t>http://</a:t>
-            </a:r>
-            <a:r>
-              <a:rPr lang="en-US" sz="2400" dirty="0" err="1" smtClean="0"/>
-              <a:t>www.linkedin.com</a:t>
-            </a:r>
-            <a:r>
-              <a:rPr lang="en-US" sz="2400" dirty="0" smtClean="0"/>
-              <a:t>/in/</a:t>
-            </a:r>
-            <a:r>
-              <a:rPr lang="en-US" sz="2400" dirty="0" err="1" smtClean="0"/>
-              <a:t>igorbarinov</a:t>
-            </a:r>
-            <a:r>
-              <a:rPr lang="en-US" sz="2400" dirty="0"/>
-              <a:t>/</a:t>
-            </a:r>
-          </a:p>
-          <a:p>
-            <a:pPr marL="0" indent="0">
-              <a:buNone/>
-            </a:pPr>
-            <a:r>
-              <a:rPr lang="en-US" sz="2400" dirty="0">
-                <a:hlinkClick r:id="rId2"/>
-              </a:rPr>
-              <a:t>https://github.com/igorbarinov</a:t>
-            </a:r>
-            <a:r>
-              <a:rPr lang="en-US" sz="2400" dirty="0" smtClean="0">
-                <a:hlinkClick r:id="rId2"/>
-              </a:rPr>
-              <a:t>/</a:t>
-            </a:r>
-            <a:endParaRPr lang="en-US" sz="2400" dirty="0" smtClean="0"/>
-          </a:p>
-          <a:p>
-            <a:pPr marL="0" indent="0">
-              <a:buNone/>
-            </a:pPr>
-            <a:endParaRPr lang="en-US" dirty="0"/>
-          </a:p>
         </p:txBody>
       </p:sp>
       <p:pic>
         <p:nvPicPr>
-          <p:cNvPr id="5" name="Picture 4"/>
+          <p:cNvPr id="4" name="Picture 3"/>
           <p:cNvPicPr>
             <a:picLocks noChangeAspect="1"/>
           </p:cNvPicPr>
@@ -6587,8 +7087,8 @@
         </p:blipFill>
         <p:spPr>
           <a:xfrm>
-            <a:off x="6096000" y="629603"/>
-            <a:ext cx="5547360" cy="5547360"/>
+            <a:off x="5697279" y="365125"/>
+            <a:ext cx="6200554" cy="6200554"/>
           </a:xfrm>
           <a:prstGeom prst="rect">
             <a:avLst/>
@@ -6874,4 +7374,265 @@
     </a:ext>
   </a:extLst>
 </a:theme>
+</file>
+
+<file path=ppt/theme/theme2.xml><?xml version="1.0" encoding="utf-8"?>
+<a:theme xmlns:a="http://schemas.openxmlformats.org/drawingml/2006/main" name="Office Theme">
+  <a:themeElements>
+    <a:clrScheme name="Office">
+      <a:dk1>
+        <a:sysClr val="windowText" lastClr="000000"/>
+      </a:dk1>
+      <a:lt1>
+        <a:sysClr val="window" lastClr="FFFFFF"/>
+      </a:lt1>
+      <a:dk2>
+        <a:srgbClr val="44546A"/>
+      </a:dk2>
+      <a:lt2>
+        <a:srgbClr val="E7E6E6"/>
+      </a:lt2>
+      <a:accent1>
+        <a:srgbClr val="5B9BD5"/>
+      </a:accent1>
+      <a:accent2>
+        <a:srgbClr val="ED7D31"/>
+      </a:accent2>
+      <a:accent3>
+        <a:srgbClr val="A5A5A5"/>
+      </a:accent3>
+      <a:accent4>
+        <a:srgbClr val="FFC000"/>
+      </a:accent4>
+      <a:accent5>
+        <a:srgbClr val="4472C4"/>
+      </a:accent5>
+      <a:accent6>
+        <a:srgbClr val="70AD47"/>
+      </a:accent6>
+      <a:hlink>
+        <a:srgbClr val="0563C1"/>
+      </a:hlink>
+      <a:folHlink>
+        <a:srgbClr val="954F72"/>
+      </a:folHlink>
+    </a:clrScheme>
+    <a:fontScheme name="Office">
+      <a:majorFont>
+        <a:latin typeface="Calibri Light" panose="020F0302020204030204"/>
+        <a:ea typeface=""/>
+        <a:cs typeface=""/>
+        <a:font script="Jpan" typeface="ＭＳ Ｐゴシック"/>
+        <a:font script="Hang" typeface="맑은 고딕"/>
+        <a:font script="Hans" typeface="宋体"/>
+        <a:font script="Hant" typeface="新細明體"/>
+        <a:font script="Arab" typeface="Times New Roman"/>
+        <a:font script="Hebr" typeface="Times New Roman"/>
+        <a:font script="Thai" typeface="Angsana New"/>
+        <a:font script="Ethi" typeface="Nyala"/>
+        <a:font script="Beng" typeface="Vrinda"/>
+        <a:font script="Gujr" typeface="Shruti"/>
+        <a:font script="Khmr" typeface="MoolBoran"/>
+        <a:font script="Knda" typeface="Tunga"/>
+        <a:font script="Guru" typeface="Raavi"/>
+        <a:font script="Cans" typeface="Euphemia"/>
+        <a:font script="Cher" typeface="Plantagenet Cherokee"/>
+        <a:font script="Yiii" typeface="Microsoft Yi Baiti"/>
+        <a:font script="Tibt" typeface="Microsoft Himalaya"/>
+        <a:font script="Thaa" typeface="MV Boli"/>
+        <a:font script="Deva" typeface="Mangal"/>
+        <a:font script="Telu" typeface="Gautami"/>
+        <a:font script="Taml" typeface="Latha"/>
+        <a:font script="Syrc" typeface="Estrangelo Edessa"/>
+        <a:font script="Orya" typeface="Kalinga"/>
+        <a:font script="Mlym" typeface="Kartika"/>
+        <a:font script="Laoo" typeface="DokChampa"/>
+        <a:font script="Sinh" typeface="Iskoola Pota"/>
+        <a:font script="Mong" typeface="Mongolian Baiti"/>
+        <a:font script="Viet" typeface="Times New Roman"/>
+        <a:font script="Uigh" typeface="Microsoft Uighur"/>
+        <a:font script="Geor" typeface="Sylfaen"/>
+      </a:majorFont>
+      <a:minorFont>
+        <a:latin typeface="Calibri" panose="020F0502020204030204"/>
+        <a:ea typeface=""/>
+        <a:cs typeface=""/>
+        <a:font script="Jpan" typeface="ＭＳ Ｐゴシック"/>
+        <a:font script="Hang" typeface="맑은 고딕"/>
+        <a:font script="Hans" typeface="宋体"/>
+        <a:font script="Hant" typeface="新細明體"/>
+        <a:font script="Arab" typeface="Arial"/>
+        <a:font script="Hebr" typeface="Arial"/>
+        <a:font script="Thai" typeface="Cordia New"/>
+        <a:font script="Ethi" typeface="Nyala"/>
+        <a:font script="Beng" typeface="Vrinda"/>
+        <a:font script="Gujr" typeface="Shruti"/>
+        <a:font script="Khmr" typeface="DaunPenh"/>
+        <a:font script="Knda" typeface="Tunga"/>
+        <a:font script="Guru" typeface="Raavi"/>
+        <a:font script="Cans" typeface="Euphemia"/>
+        <a:font script="Cher" typeface="Plantagenet Cherokee"/>
+        <a:font script="Yiii" typeface="Microsoft Yi Baiti"/>
+        <a:font script="Tibt" typeface="Microsoft Himalaya"/>
+        <a:font script="Thaa" typeface="MV Boli"/>
+        <a:font script="Deva" typeface="Mangal"/>
+        <a:font script="Telu" typeface="Gautami"/>
+        <a:font script="Taml" typeface="Latha"/>
+        <a:font script="Syrc" typeface="Estrangelo Edessa"/>
+        <a:font script="Orya" typeface="Kalinga"/>
+        <a:font script="Mlym" typeface="Kartika"/>
+        <a:font script="Laoo" typeface="DokChampa"/>
+        <a:font script="Sinh" typeface="Iskoola Pota"/>
+        <a:font script="Mong" typeface="Mongolian Baiti"/>
+        <a:font script="Viet" typeface="Arial"/>
+        <a:font script="Uigh" typeface="Microsoft Uighur"/>
+        <a:font script="Geor" typeface="Sylfaen"/>
+      </a:minorFont>
+    </a:fontScheme>
+    <a:fmtScheme name="Office">
+      <a:fillStyleLst>
+        <a:solidFill>
+          <a:schemeClr val="phClr"/>
+        </a:solidFill>
+        <a:gradFill rotWithShape="1">
+          <a:gsLst>
+            <a:gs pos="0">
+              <a:schemeClr val="phClr">
+                <a:lumMod val="110000"/>
+                <a:satMod val="105000"/>
+                <a:tint val="67000"/>
+              </a:schemeClr>
+            </a:gs>
+            <a:gs pos="50000">
+              <a:schemeClr val="phClr">
+                <a:lumMod val="105000"/>
+                <a:satMod val="103000"/>
+                <a:tint val="73000"/>
+              </a:schemeClr>
+            </a:gs>
+            <a:gs pos="100000">
+              <a:schemeClr val="phClr">
+                <a:lumMod val="105000"/>
+                <a:satMod val="109000"/>
+                <a:tint val="81000"/>
+              </a:schemeClr>
+            </a:gs>
+          </a:gsLst>
+          <a:lin ang="5400000" scaled="0"/>
+        </a:gradFill>
+        <a:gradFill rotWithShape="1">
+          <a:gsLst>
+            <a:gs pos="0">
+              <a:schemeClr val="phClr">
+                <a:satMod val="103000"/>
+                <a:lumMod val="102000"/>
+                <a:tint val="94000"/>
+              </a:schemeClr>
+            </a:gs>
+            <a:gs pos="50000">
+              <a:schemeClr val="phClr">
+                <a:satMod val="110000"/>
+                <a:lumMod val="100000"/>
+                <a:shade val="100000"/>
+              </a:schemeClr>
+            </a:gs>
+            <a:gs pos="100000">
+              <a:schemeClr val="phClr">
+                <a:lumMod val="99000"/>
+                <a:satMod val="120000"/>
+                <a:shade val="78000"/>
+              </a:schemeClr>
+            </a:gs>
+          </a:gsLst>
+          <a:lin ang="5400000" scaled="0"/>
+        </a:gradFill>
+      </a:fillStyleLst>
+      <a:lnStyleLst>
+        <a:ln w="6350" cap="flat" cmpd="sng" algn="ctr">
+          <a:solidFill>
+            <a:schemeClr val="phClr"/>
+          </a:solidFill>
+          <a:prstDash val="solid"/>
+          <a:miter lim="800000"/>
+        </a:ln>
+        <a:ln w="12700" cap="flat" cmpd="sng" algn="ctr">
+          <a:solidFill>
+            <a:schemeClr val="phClr"/>
+          </a:solidFill>
+          <a:prstDash val="solid"/>
+          <a:miter lim="800000"/>
+        </a:ln>
+        <a:ln w="19050" cap="flat" cmpd="sng" algn="ctr">
+          <a:solidFill>
+            <a:schemeClr val="phClr"/>
+          </a:solidFill>
+          <a:prstDash val="solid"/>
+          <a:miter lim="800000"/>
+        </a:ln>
+      </a:lnStyleLst>
+      <a:effectStyleLst>
+        <a:effectStyle>
+          <a:effectLst/>
+        </a:effectStyle>
+        <a:effectStyle>
+          <a:effectLst/>
+        </a:effectStyle>
+        <a:effectStyle>
+          <a:effectLst>
+            <a:outerShdw blurRad="57150" dist="19050" dir="5400000" algn="ctr" rotWithShape="0">
+              <a:srgbClr val="000000">
+                <a:alpha val="63000"/>
+              </a:srgbClr>
+            </a:outerShdw>
+          </a:effectLst>
+        </a:effectStyle>
+      </a:effectStyleLst>
+      <a:bgFillStyleLst>
+        <a:solidFill>
+          <a:schemeClr val="phClr"/>
+        </a:solidFill>
+        <a:solidFill>
+          <a:schemeClr val="phClr">
+            <a:tint val="95000"/>
+            <a:satMod val="170000"/>
+          </a:schemeClr>
+        </a:solidFill>
+        <a:gradFill rotWithShape="1">
+          <a:gsLst>
+            <a:gs pos="0">
+              <a:schemeClr val="phClr">
+                <a:tint val="93000"/>
+                <a:satMod val="150000"/>
+                <a:shade val="98000"/>
+                <a:lumMod val="102000"/>
+              </a:schemeClr>
+            </a:gs>
+            <a:gs pos="50000">
+              <a:schemeClr val="phClr">
+                <a:tint val="98000"/>
+                <a:satMod val="130000"/>
+                <a:shade val="90000"/>
+                <a:lumMod val="103000"/>
+              </a:schemeClr>
+            </a:gs>
+            <a:gs pos="100000">
+              <a:schemeClr val="phClr">
+                <a:shade val="63000"/>
+                <a:satMod val="120000"/>
+              </a:schemeClr>
+            </a:gs>
+          </a:gsLst>
+          <a:lin ang="5400000" scaled="0"/>
+        </a:gradFill>
+      </a:bgFillStyleLst>
+    </a:fmtScheme>
+  </a:themeElements>
+  <a:objectDefaults/>
+  <a:extraClrSchemeLst/>
+  <a:extLst>
+    <a:ext uri="{05A4C25C-085E-4340-85A3-A5531E510DB2}">
+      <thm15:themeFamily xmlns:thm15="http://schemas.microsoft.com/office/thememl/2012/main" name="Office Theme" id="{62F939B6-93AF-4DB8-9C6B-D6C7DFDC589F}" vid="{4A3C46E8-61CC-4603-A589-7422A47A8E4A}"/>
+    </a:ext>
+  </a:extLst>
+</a:theme>
 </file>
--- a/presentation/blockchain_now.pptx
+++ b/presentation/blockchain_now.pptx
@@ -5,17 +5,16 @@
     <p:sldMasterId id="2147483648" r:id="rId1"/>
   </p:sldMasterIdLst>
   <p:notesMasterIdLst>
-    <p:notesMasterId r:id="rId10"/>
+    <p:notesMasterId r:id="rId9"/>
   </p:notesMasterIdLst>
   <p:sldIdLst>
     <p:sldId id="256" r:id="rId2"/>
-    <p:sldId id="262" r:id="rId3"/>
-    <p:sldId id="258" r:id="rId4"/>
-    <p:sldId id="259" r:id="rId5"/>
-    <p:sldId id="260" r:id="rId6"/>
-    <p:sldId id="257" r:id="rId7"/>
-    <p:sldId id="263" r:id="rId8"/>
-    <p:sldId id="261" r:id="rId9"/>
+    <p:sldId id="258" r:id="rId3"/>
+    <p:sldId id="259" r:id="rId4"/>
+    <p:sldId id="260" r:id="rId5"/>
+    <p:sldId id="257" r:id="rId6"/>
+    <p:sldId id="263" r:id="rId7"/>
+    <p:sldId id="261" r:id="rId8"/>
   </p:sldIdLst>
   <p:sldSz cx="12192000" cy="6858000"/>
   <p:notesSz cx="6858000" cy="9144000"/>
@@ -204,7 +203,7 @@
           <a:p>
             <a:fld id="{C16E67CF-15E5-E346-9FDA-6C1EEA3272D4}" type="datetimeFigureOut">
               <a:rPr lang="en-US" smtClean="0"/>
-              <a:t>7/1/15</a:t>
+              <a:t>7/18/15</a:t>
             </a:fld>
             <a:endParaRPr lang="en-US"/>
           </a:p>
@@ -537,7 +536,7 @@
           <a:p>
             <a:fld id="{1868D238-C392-E84F-ABDD-4B2D353F64ED}" type="slidenum">
               <a:rPr lang="en-US" smtClean="0"/>
-              <a:t>2</a:t>
+              <a:t>6</a:t>
             </a:fld>
             <a:endParaRPr lang="en-US"/>
           </a:p>
@@ -546,7 +545,7 @@
     </p:spTree>
     <p:extLst>
       <p:ext uri="{BB962C8B-B14F-4D97-AF65-F5344CB8AC3E}">
-        <p14:creationId xmlns:p14="http://schemas.microsoft.com/office/powerpoint/2010/main" val="593209441"/>
+        <p14:creationId xmlns:p14="http://schemas.microsoft.com/office/powerpoint/2010/main" val="552473416"/>
       </p:ext>
     </p:extLst>
   </p:cSld>
@@ -630,7 +629,7 @@
     </p:spTree>
     <p:extLst>
       <p:ext uri="{BB962C8B-B14F-4D97-AF65-F5344CB8AC3E}">
-        <p14:creationId xmlns:p14="http://schemas.microsoft.com/office/powerpoint/2010/main" val="552473416"/>
+        <p14:creationId xmlns:p14="http://schemas.microsoft.com/office/powerpoint/2010/main" val="745425661"/>
       </p:ext>
     </p:extLst>
   </p:cSld>
@@ -771,7 +770,7 @@
           <a:p>
             <a:fld id="{046725C7-44C1-2E4C-8344-32965D745DFE}" type="datetimeFigureOut">
               <a:rPr lang="en-US" smtClean="0"/>
-              <a:t>7/1/15</a:t>
+              <a:t>7/18/15</a:t>
             </a:fld>
             <a:endParaRPr lang="en-US"/>
           </a:p>
@@ -941,7 +940,7 @@
           <a:p>
             <a:fld id="{046725C7-44C1-2E4C-8344-32965D745DFE}" type="datetimeFigureOut">
               <a:rPr lang="en-US" smtClean="0"/>
-              <a:t>7/1/15</a:t>
+              <a:t>7/18/15</a:t>
             </a:fld>
             <a:endParaRPr lang="en-US"/>
           </a:p>
@@ -1121,7 +1120,7 @@
           <a:p>
             <a:fld id="{046725C7-44C1-2E4C-8344-32965D745DFE}" type="datetimeFigureOut">
               <a:rPr lang="en-US" smtClean="0"/>
-              <a:t>7/1/15</a:t>
+              <a:t>7/18/15</a:t>
             </a:fld>
             <a:endParaRPr lang="en-US"/>
           </a:p>
@@ -1291,7 +1290,7 @@
           <a:p>
             <a:fld id="{046725C7-44C1-2E4C-8344-32965D745DFE}" type="datetimeFigureOut">
               <a:rPr lang="en-US" smtClean="0"/>
-              <a:t>7/1/15</a:t>
+              <a:t>7/18/15</a:t>
             </a:fld>
             <a:endParaRPr lang="en-US"/>
           </a:p>
@@ -1537,7 +1536,7 @@
           <a:p>
             <a:fld id="{046725C7-44C1-2E4C-8344-32965D745DFE}" type="datetimeFigureOut">
               <a:rPr lang="en-US" smtClean="0"/>
-              <a:t>7/1/15</a:t>
+              <a:t>7/18/15</a:t>
             </a:fld>
             <a:endParaRPr lang="en-US"/>
           </a:p>
@@ -1769,7 +1768,7 @@
           <a:p>
             <a:fld id="{046725C7-44C1-2E4C-8344-32965D745DFE}" type="datetimeFigureOut">
               <a:rPr lang="en-US" smtClean="0"/>
-              <a:t>7/1/15</a:t>
+              <a:t>7/18/15</a:t>
             </a:fld>
             <a:endParaRPr lang="en-US"/>
           </a:p>
@@ -2136,7 +2135,7 @@
           <a:p>
             <a:fld id="{046725C7-44C1-2E4C-8344-32965D745DFE}" type="datetimeFigureOut">
               <a:rPr lang="en-US" smtClean="0"/>
-              <a:t>7/1/15</a:t>
+              <a:t>7/18/15</a:t>
             </a:fld>
             <a:endParaRPr lang="en-US"/>
           </a:p>
@@ -2254,7 +2253,7 @@
           <a:p>
             <a:fld id="{046725C7-44C1-2E4C-8344-32965D745DFE}" type="datetimeFigureOut">
               <a:rPr lang="en-US" smtClean="0"/>
-              <a:t>7/1/15</a:t>
+              <a:t>7/18/15</a:t>
             </a:fld>
             <a:endParaRPr lang="en-US"/>
           </a:p>
@@ -2349,7 +2348,7 @@
           <a:p>
             <a:fld id="{046725C7-44C1-2E4C-8344-32965D745DFE}" type="datetimeFigureOut">
               <a:rPr lang="en-US" smtClean="0"/>
-              <a:t>7/1/15</a:t>
+              <a:t>7/18/15</a:t>
             </a:fld>
             <a:endParaRPr lang="en-US"/>
           </a:p>
@@ -2626,7 +2625,7 @@
           <a:p>
             <a:fld id="{046725C7-44C1-2E4C-8344-32965D745DFE}" type="datetimeFigureOut">
               <a:rPr lang="en-US" smtClean="0"/>
-              <a:t>7/1/15</a:t>
+              <a:t>7/18/15</a:t>
             </a:fld>
             <a:endParaRPr lang="en-US"/>
           </a:p>
@@ -2879,7 +2878,7 @@
           <a:p>
             <a:fld id="{046725C7-44C1-2E4C-8344-32965D745DFE}" type="datetimeFigureOut">
               <a:rPr lang="en-US" smtClean="0"/>
-              <a:t>7/1/15</a:t>
+              <a:t>7/18/15</a:t>
             </a:fld>
             <a:endParaRPr lang="en-US"/>
           </a:p>
@@ -3092,7 +3091,7 @@
           <a:p>
             <a:fld id="{046725C7-44C1-2E4C-8344-32965D745DFE}" type="datetimeFigureOut">
               <a:rPr lang="en-US" smtClean="0"/>
-              <a:t>7/1/15</a:t>
+              <a:t>7/18/15</a:t>
             </a:fld>
             <a:endParaRPr lang="en-US"/>
           </a:p>
@@ -3537,7 +3536,7 @@
           <a:p>
             <a:r>
               <a:rPr lang="en-US" dirty="0" smtClean="0"/>
-              <a:t>search and analytics in the blockchain</a:t>
+              <a:t>search in the bitcoin database</a:t>
             </a:r>
             <a:endParaRPr lang="en-US" dirty="0"/>
           </a:p>
@@ -3705,95 +3704,6 @@
           <a:p>
             <a:r>
               <a:rPr lang="en-US" dirty="0" smtClean="0"/>
-              <a:t>Very special database</a:t>
-            </a:r>
-            <a:endParaRPr lang="en-US" dirty="0"/>
-          </a:p>
-        </p:txBody>
-      </p:sp>
-      <p:pic>
-        <p:nvPicPr>
-          <p:cNvPr id="10" name="Content Placeholder 9"/>
-          <p:cNvPicPr>
-            <a:picLocks noGrp="1" noChangeAspect="1"/>
-          </p:cNvPicPr>
-          <p:nvPr>
-            <p:ph idx="1"/>
-          </p:nvPr>
-        </p:nvPicPr>
-        <p:blipFill>
-          <a:blip r:embed="rId3">
-            <a:extLst>
-              <a:ext uri="{28A0092B-C50C-407E-A947-70E740481C1C}">
-                <a14:useLocalDpi xmlns:a14="http://schemas.microsoft.com/office/drawing/2010/main" val="0"/>
-              </a:ext>
-            </a:extLst>
-          </a:blip>
-          <a:stretch>
-            <a:fillRect/>
-          </a:stretch>
-        </p:blipFill>
-        <p:spPr>
-          <a:xfrm>
-            <a:off x="1371711" y="2381694"/>
-            <a:ext cx="9448577" cy="2864644"/>
-          </a:xfrm>
-        </p:spPr>
-      </p:pic>
-    </p:spTree>
-    <p:extLst>
-      <p:ext uri="{BB962C8B-B14F-4D97-AF65-F5344CB8AC3E}">
-        <p14:creationId xmlns:p14="http://schemas.microsoft.com/office/powerpoint/2010/main" val="1529195746"/>
-      </p:ext>
-    </p:extLst>
-  </p:cSld>
-  <p:clrMapOvr>
-    <a:masterClrMapping/>
-  </p:clrMapOvr>
-  <p:timing>
-    <p:tnLst>
-      <p:par>
-        <p:cTn id="1" dur="indefinite" restart="never" nodeType="tmRoot"/>
-      </p:par>
-    </p:tnLst>
-  </p:timing>
-</p:sld>
-</file>
-
-<file path=ppt/slides/slide3.xml><?xml version="1.0" encoding="utf-8"?>
-<p:sld xmlns:a="http://schemas.openxmlformats.org/drawingml/2006/main" xmlns:r="http://schemas.openxmlformats.org/officeDocument/2006/relationships" xmlns:p="http://schemas.openxmlformats.org/presentationml/2006/main">
-  <p:cSld>
-    <p:spTree>
-      <p:nvGrpSpPr>
-        <p:cNvPr id="1" name=""/>
-        <p:cNvGrpSpPr/>
-        <p:nvPr/>
-      </p:nvGrpSpPr>
-      <p:grpSpPr>
-        <a:xfrm>
-          <a:off x="0" y="0"/>
-          <a:ext cx="0" cy="0"/>
-          <a:chOff x="0" y="0"/>
-          <a:chExt cx="0" cy="0"/>
-        </a:xfrm>
-      </p:grpSpPr>
-      <p:sp>
-        <p:nvSpPr>
-          <p:cNvPr id="2" name="Title 1"/>
-          <p:cNvSpPr>
-            <a:spLocks noGrp="1"/>
-          </p:cNvSpPr>
-          <p:nvPr>
-            <p:ph type="title"/>
-          </p:nvPr>
-        </p:nvSpPr>
-        <p:spPr/>
-        <p:txBody>
-          <a:bodyPr/>
-          <a:lstStyle/>
-          <a:p>
-            <a:r>
-              <a:rPr lang="en-US" dirty="0" smtClean="0"/>
               <a:t>Blockchain</a:t>
             </a:r>
             <a:r>
@@ -3857,7 +3767,7 @@
 </p:sld>
 </file>
 
-<file path=ppt/slides/slide4.xml><?xml version="1.0" encoding="utf-8"?>
+<file path=ppt/slides/slide3.xml><?xml version="1.0" encoding="utf-8"?>
 <p:sld xmlns:a="http://schemas.openxmlformats.org/drawingml/2006/main" xmlns:r="http://schemas.openxmlformats.org/officeDocument/2006/relationships" xmlns:p="http://schemas.openxmlformats.org/presentationml/2006/main">
   <p:cSld>
     <p:spTree>
@@ -4396,7 +4306,7 @@
 </p:sld>
 </file>
 
-<file path=ppt/slides/slide5.xml><?xml version="1.0" encoding="utf-8"?>
+<file path=ppt/slides/slide4.xml><?xml version="1.0" encoding="utf-8"?>
 <p:sld xmlns:a="http://schemas.openxmlformats.org/drawingml/2006/main" xmlns:r="http://schemas.openxmlformats.org/officeDocument/2006/relationships" xmlns:p="http://schemas.openxmlformats.org/presentationml/2006/main">
   <p:cSld>
     <p:spTree>
@@ -4977,7 +4887,7 @@
           <a:p>
             <a:r>
               <a:rPr lang="en-US" dirty="0" smtClean="0"/>
-              <a:t>Data Platform</a:t>
+              <a:t>Pipeline</a:t>
             </a:r>
             <a:endParaRPr lang="en-US" dirty="0"/>
           </a:p>
@@ -5033,7 +4943,7 @@
 </p:sld>
 </file>
 
-<file path=ppt/slides/slide6.xml><?xml version="1.0" encoding="utf-8"?>
+<file path=ppt/slides/slide5.xml><?xml version="1.0" encoding="utf-8"?>
 <p:sld xmlns:a="http://schemas.openxmlformats.org/drawingml/2006/main" xmlns:r="http://schemas.openxmlformats.org/officeDocument/2006/relationships" xmlns:p="http://schemas.openxmlformats.org/presentationml/2006/main">
   <p:cSld>
     <p:spTree>
@@ -5663,7 +5573,7 @@
           <p:nvPr/>
         </p:nvSpPr>
         <p:spPr>
-          <a:xfrm rot="10800000">
+          <a:xfrm>
             <a:off x="1247310" y="2816770"/>
             <a:ext cx="283486" cy="601758"/>
           </a:xfrm>
@@ -5820,7 +5730,7 @@
 </p:sld>
 </file>
 
-<file path=ppt/slides/slide7.xml><?xml version="1.0" encoding="utf-8"?>
+<file path=ppt/slides/slide6.xml><?xml version="1.0" encoding="utf-8"?>
 <p:sld xmlns:a="http://schemas.openxmlformats.org/drawingml/2006/main" xmlns:r="http://schemas.openxmlformats.org/officeDocument/2006/relationships" xmlns:p="http://schemas.openxmlformats.org/presentationml/2006/main">
   <p:cSld>
     <p:spTree>
@@ -6450,7 +6360,7 @@
           <p:nvPr/>
         </p:nvSpPr>
         <p:spPr>
-          <a:xfrm rot="10800000">
+          <a:xfrm>
             <a:off x="1247310" y="2816770"/>
             <a:ext cx="283486" cy="601758"/>
           </a:xfrm>
@@ -6883,7 +6793,7 @@
 </p:sld>
 </file>
 
-<file path=ppt/slides/slide8.xml><?xml version="1.0" encoding="utf-8"?>
+<file path=ppt/slides/slide7.xml><?xml version="1.0" encoding="utf-8"?>
 <p:sld xmlns:a="http://schemas.openxmlformats.org/drawingml/2006/main" xmlns:r="http://schemas.openxmlformats.org/officeDocument/2006/relationships" xmlns:p="http://schemas.openxmlformats.org/presentationml/2006/main">
   <p:cSld>
     <p:spTree>
@@ -6939,53 +6849,53 @@
         </p:nvSpPr>
         <p:spPr>
           <a:xfrm>
-            <a:off x="350874" y="1825625"/>
-            <a:ext cx="11002926" cy="4351338"/>
+            <a:off x="350874" y="1297172"/>
+            <a:ext cx="11002926" cy="4879791"/>
           </a:xfrm>
         </p:spPr>
         <p:txBody>
           <a:bodyPr>
-            <a:normAutofit fontScale="92500" lnSpcReduction="10000"/>
+            <a:normAutofit/>
           </a:bodyPr>
           <a:lstStyle/>
           <a:p>
             <a:r>
-              <a:rPr lang="en-US" dirty="0" smtClean="0"/>
+              <a:rPr lang="en-US" sz="2000" dirty="0" smtClean="0"/>
               <a:t>MS CS Moscow State University</a:t>
             </a:r>
           </a:p>
           <a:p>
             <a:r>
-              <a:rPr lang="en-US" dirty="0" smtClean="0"/>
+              <a:rPr lang="en-US" sz="2000" dirty="0" smtClean="0"/>
               <a:t>CTO @mobile ads startup</a:t>
             </a:r>
           </a:p>
           <a:p>
             <a:r>
-              <a:rPr lang="en-US" dirty="0" smtClean="0"/>
-              <a:t>Hobby:  </a:t>
+              <a:rPr lang="en-US" sz="2000" dirty="0" smtClean="0"/>
+              <a:t>Hobbies:  </a:t>
             </a:r>
           </a:p>
           <a:p>
             <a:pPr lvl="1"/>
             <a:r>
-              <a:rPr lang="en-US" dirty="0" err="1" smtClean="0"/>
+              <a:rPr lang="en-US" sz="1800" dirty="0" err="1" smtClean="0"/>
               <a:t>Hackathons</a:t>
             </a:r>
-            <a:endParaRPr lang="en-US" dirty="0" smtClean="0"/>
+            <a:endParaRPr lang="en-US" sz="1800" dirty="0" smtClean="0"/>
           </a:p>
           <a:p>
             <a:pPr lvl="1"/>
             <a:r>
-              <a:rPr lang="en-US" dirty="0" smtClean="0"/>
-              <a:t>MOOC</a:t>
+              <a:rPr lang="en-US" sz="1800" dirty="0" smtClean="0"/>
+              <a:t>Online courses</a:t>
             </a:r>
           </a:p>
           <a:p>
             <a:pPr lvl="1"/>
             <a:r>
-              <a:rPr lang="en-US" dirty="0" smtClean="0"/>
-              <a:t>Blood Donation </a:t>
+              <a:rPr lang="en-US" sz="1800" dirty="0" smtClean="0"/>
+              <a:t>Blood donation</a:t>
             </a:r>
           </a:p>
           <a:p>
@@ -6994,80 +6904,11 @@
             </a:pPr>
             <a:endParaRPr lang="en-US" dirty="0" smtClean="0"/>
           </a:p>
-          <a:p>
-            <a:pPr marL="457200" lvl="1" indent="0">
-              <a:buNone/>
-            </a:pPr>
-            <a:endParaRPr lang="en-US" dirty="0" smtClean="0"/>
-          </a:p>
-          <a:p>
-            <a:pPr marL="0" indent="0">
-              <a:buNone/>
-            </a:pPr>
-            <a:r>
-              <a:rPr lang="en-US" sz="2400" dirty="0" smtClean="0"/>
-              <a:t>@</a:t>
-            </a:r>
-            <a:r>
-              <a:rPr lang="en-US" sz="2400" dirty="0" err="1" smtClean="0"/>
-              <a:t>barinov</a:t>
-            </a:r>
-            <a:endParaRPr lang="en-US" sz="2400" dirty="0" smtClean="0"/>
-          </a:p>
-          <a:p>
-            <a:pPr marL="0" indent="0">
-              <a:buNone/>
-            </a:pPr>
-            <a:r>
-              <a:rPr lang="en-US" sz="2400" dirty="0" smtClean="0"/>
-              <a:t>http://</a:t>
-            </a:r>
-            <a:r>
-              <a:rPr lang="en-US" sz="2400" dirty="0" err="1" smtClean="0"/>
-              <a:t>www.linkedin.com</a:t>
-            </a:r>
-            <a:r>
-              <a:rPr lang="en-US" sz="2400" dirty="0" smtClean="0"/>
-              <a:t>/in/</a:t>
-            </a:r>
-            <a:r>
-              <a:rPr lang="en-US" sz="2400" dirty="0" err="1" smtClean="0"/>
-              <a:t>igorbarinov</a:t>
-            </a:r>
-            <a:r>
-              <a:rPr lang="en-US" sz="2400" dirty="0"/>
-              <a:t>/</a:t>
-            </a:r>
-          </a:p>
-          <a:p>
-            <a:pPr marL="0" indent="0">
-              <a:buNone/>
-            </a:pPr>
-            <a:r>
-              <a:rPr lang="en-US" sz="2400" dirty="0">
-                <a:hlinkClick r:id="rId2"/>
-              </a:rPr>
-              <a:t>https://github.com/igorbarinov</a:t>
-            </a:r>
-            <a:r>
-              <a:rPr lang="en-US" sz="2400" dirty="0" smtClean="0">
-                <a:hlinkClick r:id="rId2"/>
-              </a:rPr>
-              <a:t>/</a:t>
-            </a:r>
-            <a:endParaRPr lang="en-US" sz="2400" dirty="0" smtClean="0"/>
-          </a:p>
-          <a:p>
-            <a:pPr marL="0" indent="0">
-              <a:buNone/>
-            </a:pPr>
-            <a:endParaRPr lang="en-US" dirty="0"/>
-          </a:p>
         </p:txBody>
       </p:sp>
       <p:pic>
         <p:nvPicPr>
-          <p:cNvPr id="4" name="Picture 3"/>
+          <p:cNvPr id="5" name="Content Placeholder 3"/>
           <p:cNvPicPr>
             <a:picLocks noChangeAspect="1"/>
           </p:cNvPicPr>
@@ -7087,8 +6928,38 @@
         </p:blipFill>
         <p:spPr>
           <a:xfrm>
-            <a:off x="5697279" y="365125"/>
-            <a:ext cx="6200554" cy="6200554"/>
+            <a:off x="4199218" y="784050"/>
+            <a:ext cx="7432800" cy="5814108"/>
+          </a:xfrm>
+          <a:prstGeom prst="rect">
+            <a:avLst/>
+          </a:prstGeom>
+        </p:spPr>
+      </p:pic>
+      <p:pic>
+        <p:nvPicPr>
+          <p:cNvPr id="7" name="Picture 6"/>
+          <p:cNvPicPr>
+            <a:picLocks noChangeAspect="1"/>
+          </p:cNvPicPr>
+          <p:nvPr/>
+        </p:nvPicPr>
+        <p:blipFill>
+          <a:blip r:embed="rId4">
+            <a:extLst>
+              <a:ext uri="{28A0092B-C50C-407E-A947-70E740481C1C}">
+                <a14:useLocalDpi xmlns:a14="http://schemas.microsoft.com/office/drawing/2010/main" val="0"/>
+              </a:ext>
+            </a:extLst>
+          </a:blip>
+          <a:stretch>
+            <a:fillRect/>
+          </a:stretch>
+        </p:blipFill>
+        <p:spPr>
+          <a:xfrm>
+            <a:off x="587693" y="3507087"/>
+            <a:ext cx="3333307" cy="3016643"/>
           </a:xfrm>
           <a:prstGeom prst="rect">
             <a:avLst/>
